--- a/presentations/Day_1_breakout.pptx
+++ b/presentations/Day_1_breakout.pptx
@@ -758,7 +758,7 @@
           <a:p>
             <a:fld id="{F585A81E-ECAF-4B3E-AC0F-CB7A879AA666}" type="datetimeFigureOut">
               <a:rPr lang="en-ZA" smtClean="0"/>
-              <a:t>2022/09/21</a:t>
+              <a:t>23 Sep 2022</a:t>
             </a:fld>
             <a:endParaRPr lang="en-ZA"/>
           </a:p>
@@ -1191,10 +1191,7 @@
               <a:tabLst/>
               <a:defRPr/>
             </a:pPr>
-            <a:r>
-              <a:rPr lang="en-ZA" sz="1200" dirty="0"/>
-              <a:t>https://www.r-bloggers.com/2019/08/new-course-learn-advanced-data-cleaning-in-r/</a:t>
-            </a:r>
+            <a:endParaRPr lang="en-ZA" sz="1200" dirty="0"/>
           </a:p>
         </p:txBody>
       </p:sp>
@@ -1295,10 +1292,7 @@
               <a:tabLst/>
               <a:defRPr/>
             </a:pPr>
-            <a:r>
-              <a:rPr lang="en-ZA" sz="1200" dirty="0"/>
-              <a:t>https://www.r-bloggers.com/2019/08/new-course-learn-advanced-data-cleaning-in-r/</a:t>
-            </a:r>
+            <a:endParaRPr lang="en-ZA" sz="1200" dirty="0"/>
           </a:p>
         </p:txBody>
       </p:sp>
@@ -3206,7 +3200,7 @@
           <a:p>
             <a:fld id="{09ADC8E3-895B-454A-9C56-2FF3B039BB74}" type="datetime1">
               <a:rPr lang="en-ZA" smtClean="0"/>
-              <a:t>2022/09/21</a:t>
+              <a:t>23 Sep 2022</a:t>
             </a:fld>
             <a:endParaRPr lang="en-ZA"/>
           </a:p>
@@ -3419,7 +3413,7 @@
           <a:p>
             <a:fld id="{10CD16D5-6539-41C0-813A-128398F0D37C}" type="datetime1">
               <a:rPr lang="en-ZA" smtClean="0"/>
-              <a:t>2022/09/21</a:t>
+              <a:t>23 Sep 2022</a:t>
             </a:fld>
             <a:endParaRPr lang="en-ZA"/>
           </a:p>
@@ -3969,7 +3963,7 @@
           <a:p>
             <a:fld id="{4BBE145F-6DA5-4120-B796-5C506C8025A0}" type="datetime1">
               <a:rPr lang="en-ZA" smtClean="0"/>
-              <a:t>2022/09/21</a:t>
+              <a:t>23 Sep 2022</a:t>
             </a:fld>
             <a:endParaRPr lang="en-ZA"/>
           </a:p>
@@ -4240,7 +4234,7 @@
           <a:p>
             <a:fld id="{888FF69C-9A9F-477C-BC0E-51ED537629AC}" type="datetime1">
               <a:rPr lang="en-ZA" smtClean="0"/>
-              <a:t>2022/09/21</a:t>
+              <a:t>23 Sep 2022</a:t>
             </a:fld>
             <a:endParaRPr lang="en-ZA"/>
           </a:p>
@@ -4658,7 +4652,7 @@
           <a:p>
             <a:fld id="{DD8B0AB2-5740-438B-A64E-5A04BE3898DE}" type="datetime1">
               <a:rPr lang="en-ZA" smtClean="0"/>
-              <a:t>2022/09/21</a:t>
+              <a:t>23 Sep 2022</a:t>
             </a:fld>
             <a:endParaRPr lang="en-ZA"/>
           </a:p>
@@ -4803,7 +4797,7 @@
           <a:p>
             <a:fld id="{75CF88A4-9873-44D7-964E-DF50FC65B01E}" type="datetime1">
               <a:rPr lang="en-ZA" smtClean="0"/>
-              <a:t>2022/09/21</a:t>
+              <a:t>23 Sep 2022</a:t>
             </a:fld>
             <a:endParaRPr lang="en-ZA"/>
           </a:p>
@@ -4919,7 +4913,7 @@
           <a:p>
             <a:fld id="{73CE0B1D-A7D5-4FAE-816D-7C2632CD26CE}" type="datetime1">
               <a:rPr lang="en-ZA" smtClean="0"/>
-              <a:t>2022/09/21</a:t>
+              <a:t>23 Sep 2022</a:t>
             </a:fld>
             <a:endParaRPr lang="en-ZA"/>
           </a:p>
@@ -5235,7 +5229,7 @@
           <a:p>
             <a:fld id="{38A10632-EAED-4BC2-B574-CFEDCC3FDAD8}" type="datetime1">
               <a:rPr lang="en-ZA" smtClean="0"/>
-              <a:t>2022/09/21</a:t>
+              <a:t>23 Sep 2022</a:t>
             </a:fld>
             <a:endParaRPr lang="en-ZA"/>
           </a:p>
@@ -5527,7 +5521,7 @@
           <a:p>
             <a:fld id="{AF9BCEAB-B66D-483F-99E0-A055B17AFE4A}" type="datetime1">
               <a:rPr lang="en-ZA" smtClean="0"/>
-              <a:t>2022/09/21</a:t>
+              <a:t>23 Sep 2022</a:t>
             </a:fld>
             <a:endParaRPr lang="en-ZA"/>
           </a:p>
@@ -5773,7 +5767,7 @@
           <a:p>
             <a:fld id="{65647D41-11E0-4D7C-9813-21FF8CDDA849}" type="datetime1">
               <a:rPr lang="en-ZA" smtClean="0"/>
-              <a:t>2022/09/21</a:t>
+              <a:t>23 Sep 2022</a:t>
             </a:fld>
             <a:endParaRPr lang="en-ZA"/>
           </a:p>
@@ -8268,6 +8262,42 @@
           <a:chExt cx="0" cy="0"/>
         </a:xfrm>
       </p:grpSpPr>
+      <p:pic>
+        <p:nvPicPr>
+          <p:cNvPr id="5" name="Picture 4" descr="Graphical user interface, text, application&#10;&#10;Description automatically generated">
+            <a:extLst>
+              <a:ext uri="{FF2B5EF4-FFF2-40B4-BE49-F238E27FC236}">
+                <a16:creationId xmlns:a16="http://schemas.microsoft.com/office/drawing/2014/main" id="{56852908-C3DA-AC76-D3FD-1737FA0F1BE9}"/>
+              </a:ext>
+            </a:extLst>
+          </p:cNvPr>
+          <p:cNvPicPr>
+            <a:picLocks noChangeAspect="1"/>
+          </p:cNvPicPr>
+          <p:nvPr/>
+        </p:nvPicPr>
+        <p:blipFill>
+          <a:blip r:embed="rId3">
+            <a:extLst>
+              <a:ext uri="{28A0092B-C50C-407E-A947-70E740481C1C}">
+                <a14:useLocalDpi xmlns:a14="http://schemas.microsoft.com/office/drawing/2010/main" val="0"/>
+              </a:ext>
+            </a:extLst>
+          </a:blip>
+          <a:stretch>
+            <a:fillRect/>
+          </a:stretch>
+        </p:blipFill>
+        <p:spPr>
+          <a:xfrm>
+            <a:off x="480150" y="1573215"/>
+            <a:ext cx="11344027" cy="3967827"/>
+          </a:xfrm>
+          <a:prstGeom prst="rect">
+            <a:avLst/>
+          </a:prstGeom>
+        </p:spPr>
+      </p:pic>
       <p:sp>
         <p:nvSpPr>
           <p:cNvPr id="2" name="Title 1">
@@ -8326,41 +8356,6 @@
           </a:p>
         </p:txBody>
       </p:sp>
-      <p:pic>
-        <p:nvPicPr>
-          <p:cNvPr id="7" name="Content Placeholder 6">
-            <a:extLst>
-              <a:ext uri="{FF2B5EF4-FFF2-40B4-BE49-F238E27FC236}">
-                <a16:creationId xmlns:a16="http://schemas.microsoft.com/office/drawing/2014/main" id="{89846A3E-B4CB-EDE1-19FC-36397BE6FF96}"/>
-              </a:ext>
-            </a:extLst>
-          </p:cNvPr>
-          <p:cNvPicPr>
-            <a:picLocks noGrp="1" noChangeAspect="1"/>
-          </p:cNvPicPr>
-          <p:nvPr>
-            <p:ph idx="1"/>
-          </p:nvPr>
-        </p:nvPicPr>
-        <p:blipFill>
-          <a:blip r:embed="rId3">
-            <a:extLst>
-              <a:ext uri="{28A0092B-C50C-407E-A947-70E740481C1C}">
-                <a14:useLocalDpi xmlns:a14="http://schemas.microsoft.com/office/drawing/2010/main" val="0"/>
-              </a:ext>
-            </a:extLst>
-          </a:blip>
-          <a:stretch>
-            <a:fillRect/>
-          </a:stretch>
-        </p:blipFill>
-        <p:spPr>
-          <a:xfrm>
-            <a:off x="480150" y="1573215"/>
-            <a:ext cx="11231699" cy="4081136"/>
-          </a:xfrm>
-        </p:spPr>
-      </p:pic>
     </p:spTree>
     <p:extLst>
       <p:ext uri="{BB962C8B-B14F-4D97-AF65-F5344CB8AC3E}">
@@ -11209,6 +11204,42 @@
           <a:chExt cx="0" cy="0"/>
         </a:xfrm>
       </p:grpSpPr>
+      <p:pic>
+        <p:nvPicPr>
+          <p:cNvPr id="5" name="Picture 4" descr="Graphical user interface, text, application&#10;&#10;Description automatically generated">
+            <a:extLst>
+              <a:ext uri="{FF2B5EF4-FFF2-40B4-BE49-F238E27FC236}">
+                <a16:creationId xmlns:a16="http://schemas.microsoft.com/office/drawing/2014/main" id="{BF222F39-14B9-C6A0-A430-902D3B461D9D}"/>
+              </a:ext>
+            </a:extLst>
+          </p:cNvPr>
+          <p:cNvPicPr>
+            <a:picLocks noChangeAspect="1"/>
+          </p:cNvPicPr>
+          <p:nvPr/>
+        </p:nvPicPr>
+        <p:blipFill>
+          <a:blip r:embed="rId2">
+            <a:extLst>
+              <a:ext uri="{28A0092B-C50C-407E-A947-70E740481C1C}">
+                <a14:useLocalDpi xmlns:a14="http://schemas.microsoft.com/office/drawing/2010/main" val="0"/>
+              </a:ext>
+            </a:extLst>
+          </a:blip>
+          <a:stretch>
+            <a:fillRect/>
+          </a:stretch>
+        </p:blipFill>
+        <p:spPr>
+          <a:xfrm>
+            <a:off x="748149" y="1695334"/>
+            <a:ext cx="10775010" cy="3467332"/>
+          </a:xfrm>
+          <a:prstGeom prst="rect">
+            <a:avLst/>
+          </a:prstGeom>
+        </p:spPr>
+      </p:pic>
       <p:sp>
         <p:nvSpPr>
           <p:cNvPr id="2" name="Title 1">
@@ -11274,41 +11305,6 @@
           </a:p>
         </p:txBody>
       </p:sp>
-      <p:pic>
-        <p:nvPicPr>
-          <p:cNvPr id="7" name="Content Placeholder 6">
-            <a:extLst>
-              <a:ext uri="{FF2B5EF4-FFF2-40B4-BE49-F238E27FC236}">
-                <a16:creationId xmlns:a16="http://schemas.microsoft.com/office/drawing/2014/main" id="{72969626-72D2-D265-9605-38BB2A50B342}"/>
-              </a:ext>
-            </a:extLst>
-          </p:cNvPr>
-          <p:cNvPicPr>
-            <a:picLocks noGrp="1" noChangeAspect="1"/>
-          </p:cNvPicPr>
-          <p:nvPr>
-            <p:ph idx="1"/>
-          </p:nvPr>
-        </p:nvPicPr>
-        <p:blipFill>
-          <a:blip r:embed="rId2">
-            <a:extLst>
-              <a:ext uri="{28A0092B-C50C-407E-A947-70E740481C1C}">
-                <a14:useLocalDpi xmlns:a14="http://schemas.microsoft.com/office/drawing/2010/main" val="0"/>
-              </a:ext>
-            </a:extLst>
-          </a:blip>
-          <a:stretch>
-            <a:fillRect/>
-          </a:stretch>
-        </p:blipFill>
-        <p:spPr>
-          <a:xfrm>
-            <a:off x="838200" y="1361954"/>
-            <a:ext cx="10723069" cy="4134092"/>
-          </a:xfrm>
-        </p:spPr>
-      </p:pic>
     </p:spTree>
     <p:extLst>
       <p:ext uri="{BB962C8B-B14F-4D97-AF65-F5344CB8AC3E}">
@@ -11440,6 +11436,42 @@
           </a:p>
         </p:txBody>
       </p:sp>
+      <p:pic>
+        <p:nvPicPr>
+          <p:cNvPr id="6" name="Picture 5" descr="Graphical user interface, text, application&#10;&#10;Description automatically generated">
+            <a:extLst>
+              <a:ext uri="{FF2B5EF4-FFF2-40B4-BE49-F238E27FC236}">
+                <a16:creationId xmlns:a16="http://schemas.microsoft.com/office/drawing/2014/main" id="{CC2D3DDF-6A07-B78C-45A3-B151CBD1AA68}"/>
+              </a:ext>
+            </a:extLst>
+          </p:cNvPr>
+          <p:cNvPicPr>
+            <a:picLocks noChangeAspect="1"/>
+          </p:cNvPicPr>
+          <p:nvPr/>
+        </p:nvPicPr>
+        <p:blipFill>
+          <a:blip r:embed="rId3">
+            <a:extLst>
+              <a:ext uri="{28A0092B-C50C-407E-A947-70E740481C1C}">
+                <a14:useLocalDpi xmlns:a14="http://schemas.microsoft.com/office/drawing/2010/main" val="0"/>
+              </a:ext>
+            </a:extLst>
+          </a:blip>
+          <a:stretch>
+            <a:fillRect/>
+          </a:stretch>
+        </p:blipFill>
+        <p:spPr>
+          <a:xfrm>
+            <a:off x="328089" y="2457962"/>
+            <a:ext cx="11695356" cy="2725494"/>
+          </a:xfrm>
+          <a:prstGeom prst="rect">
+            <a:avLst/>
+          </a:prstGeom>
+        </p:spPr>
+      </p:pic>
     </p:spTree>
     <p:extLst>
       <p:ext uri="{BB962C8B-B14F-4D97-AF65-F5344CB8AC3E}">
@@ -11470,6 +11502,78 @@
           <a:chExt cx="0" cy="0"/>
         </a:xfrm>
       </p:grpSpPr>
+      <p:pic>
+        <p:nvPicPr>
+          <p:cNvPr id="9" name="Picture 8" descr="Text&#10;&#10;Description automatically generated">
+            <a:extLst>
+              <a:ext uri="{FF2B5EF4-FFF2-40B4-BE49-F238E27FC236}">
+                <a16:creationId xmlns:a16="http://schemas.microsoft.com/office/drawing/2014/main" id="{A86D9840-3C31-B627-F712-43283BFA9060}"/>
+              </a:ext>
+            </a:extLst>
+          </p:cNvPr>
+          <p:cNvPicPr>
+            <a:picLocks noChangeAspect="1"/>
+          </p:cNvPicPr>
+          <p:nvPr/>
+        </p:nvPicPr>
+        <p:blipFill>
+          <a:blip r:embed="rId2">
+            <a:extLst>
+              <a:ext uri="{28A0092B-C50C-407E-A947-70E740481C1C}">
+                <a14:useLocalDpi xmlns:a14="http://schemas.microsoft.com/office/drawing/2010/main" val="0"/>
+              </a:ext>
+            </a:extLst>
+          </a:blip>
+          <a:stretch>
+            <a:fillRect/>
+          </a:stretch>
+        </p:blipFill>
+        <p:spPr>
+          <a:xfrm>
+            <a:off x="1004371" y="3428403"/>
+            <a:ext cx="5506333" cy="1414273"/>
+          </a:xfrm>
+          <a:prstGeom prst="rect">
+            <a:avLst/>
+          </a:prstGeom>
+        </p:spPr>
+      </p:pic>
+      <p:pic>
+        <p:nvPicPr>
+          <p:cNvPr id="3" name="Picture 2" descr="Graphical user interface, text, application, Word&#10;&#10;Description automatically generated">
+            <a:extLst>
+              <a:ext uri="{FF2B5EF4-FFF2-40B4-BE49-F238E27FC236}">
+                <a16:creationId xmlns:a16="http://schemas.microsoft.com/office/drawing/2014/main" id="{D0999234-569A-192E-0ACA-726449AC7137}"/>
+              </a:ext>
+            </a:extLst>
+          </p:cNvPr>
+          <p:cNvPicPr>
+            <a:picLocks noChangeAspect="1"/>
+          </p:cNvPicPr>
+          <p:nvPr/>
+        </p:nvPicPr>
+        <p:blipFill>
+          <a:blip r:embed="rId3">
+            <a:extLst>
+              <a:ext uri="{28A0092B-C50C-407E-A947-70E740481C1C}">
+                <a14:useLocalDpi xmlns:a14="http://schemas.microsoft.com/office/drawing/2010/main" val="0"/>
+              </a:ext>
+            </a:extLst>
+          </a:blip>
+          <a:stretch>
+            <a:fillRect/>
+          </a:stretch>
+        </p:blipFill>
+        <p:spPr>
+          <a:xfrm>
+            <a:off x="920395" y="1071824"/>
+            <a:ext cx="6774767" cy="967824"/>
+          </a:xfrm>
+          <a:prstGeom prst="rect">
+            <a:avLst/>
+          </a:prstGeom>
+        </p:spPr>
+      </p:pic>
       <p:sp>
         <p:nvSpPr>
           <p:cNvPr id="4" name="Slide Number Placeholder 3">
@@ -11499,78 +11603,6 @@
           </a:p>
         </p:txBody>
       </p:sp>
-      <p:pic>
-        <p:nvPicPr>
-          <p:cNvPr id="6" name="Picture 5">
-            <a:extLst>
-              <a:ext uri="{FF2B5EF4-FFF2-40B4-BE49-F238E27FC236}">
-                <a16:creationId xmlns:a16="http://schemas.microsoft.com/office/drawing/2014/main" id="{BB70DBC2-C842-AF54-EEAB-4505A98E752E}"/>
-              </a:ext>
-            </a:extLst>
-          </p:cNvPr>
-          <p:cNvPicPr>
-            <a:picLocks noChangeAspect="1"/>
-          </p:cNvPicPr>
-          <p:nvPr/>
-        </p:nvPicPr>
-        <p:blipFill>
-          <a:blip r:embed="rId2">
-            <a:extLst>
-              <a:ext uri="{28A0092B-C50C-407E-A947-70E740481C1C}">
-                <a14:useLocalDpi xmlns:a14="http://schemas.microsoft.com/office/drawing/2010/main" val="0"/>
-              </a:ext>
-            </a:extLst>
-          </a:blip>
-          <a:stretch>
-            <a:fillRect/>
-          </a:stretch>
-        </p:blipFill>
-        <p:spPr>
-          <a:xfrm>
-            <a:off x="1004371" y="3428403"/>
-            <a:ext cx="5761219" cy="1402202"/>
-          </a:xfrm>
-          <a:prstGeom prst="rect">
-            <a:avLst/>
-          </a:prstGeom>
-        </p:spPr>
-      </p:pic>
-      <p:pic>
-        <p:nvPicPr>
-          <p:cNvPr id="8" name="Picture 7">
-            <a:extLst>
-              <a:ext uri="{FF2B5EF4-FFF2-40B4-BE49-F238E27FC236}">
-                <a16:creationId xmlns:a16="http://schemas.microsoft.com/office/drawing/2014/main" id="{D761AD44-0C68-C6A9-D7EC-956EF379A7D0}"/>
-              </a:ext>
-            </a:extLst>
-          </p:cNvPr>
-          <p:cNvPicPr>
-            <a:picLocks noChangeAspect="1"/>
-          </p:cNvPicPr>
-          <p:nvPr/>
-        </p:nvPicPr>
-        <p:blipFill>
-          <a:blip r:embed="rId3">
-            <a:extLst>
-              <a:ext uri="{28A0092B-C50C-407E-A947-70E740481C1C}">
-                <a14:useLocalDpi xmlns:a14="http://schemas.microsoft.com/office/drawing/2010/main" val="0"/>
-              </a:ext>
-            </a:extLst>
-          </a:blip>
-          <a:stretch>
-            <a:fillRect/>
-          </a:stretch>
-        </p:blipFill>
-        <p:spPr>
-          <a:xfrm>
-            <a:off x="838200" y="1006228"/>
-            <a:ext cx="6950042" cy="1021168"/>
-          </a:xfrm>
-          <a:prstGeom prst="rect">
-            <a:avLst/>
-          </a:prstGeom>
-        </p:spPr>
-      </p:pic>
       <p:pic>
         <p:nvPicPr>
           <p:cNvPr id="10" name="Picture 9">
@@ -11709,6 +11741,42 @@
           <a:chExt cx="0" cy="0"/>
         </a:xfrm>
       </p:grpSpPr>
+      <p:pic>
+        <p:nvPicPr>
+          <p:cNvPr id="5" name="Picture 4" descr="Graphical user interface&#10;&#10;Description automatically generated with low confidence">
+            <a:extLst>
+              <a:ext uri="{FF2B5EF4-FFF2-40B4-BE49-F238E27FC236}">
+                <a16:creationId xmlns:a16="http://schemas.microsoft.com/office/drawing/2014/main" id="{460909B8-44EE-0C2D-6BA2-0175D891FC10}"/>
+              </a:ext>
+            </a:extLst>
+          </p:cNvPr>
+          <p:cNvPicPr>
+            <a:picLocks noChangeAspect="1"/>
+          </p:cNvPicPr>
+          <p:nvPr/>
+        </p:nvPicPr>
+        <p:blipFill>
+          <a:blip r:embed="rId2">
+            <a:extLst>
+              <a:ext uri="{28A0092B-C50C-407E-A947-70E740481C1C}">
+                <a14:useLocalDpi xmlns:a14="http://schemas.microsoft.com/office/drawing/2010/main" val="0"/>
+              </a:ext>
+            </a:extLst>
+          </a:blip>
+          <a:stretch>
+            <a:fillRect/>
+          </a:stretch>
+        </p:blipFill>
+        <p:spPr>
+          <a:xfrm>
+            <a:off x="838200" y="1070391"/>
+            <a:ext cx="5958347" cy="5582335"/>
+          </a:xfrm>
+          <a:prstGeom prst="rect">
+            <a:avLst/>
+          </a:prstGeom>
+        </p:spPr>
+      </p:pic>
       <p:sp>
         <p:nvSpPr>
           <p:cNvPr id="2" name="Title 1">
@@ -11767,42 +11835,6 @@
           </a:p>
         </p:txBody>
       </p:sp>
-      <p:pic>
-        <p:nvPicPr>
-          <p:cNvPr id="12" name="Picture 11">
-            <a:extLst>
-              <a:ext uri="{FF2B5EF4-FFF2-40B4-BE49-F238E27FC236}">
-                <a16:creationId xmlns:a16="http://schemas.microsoft.com/office/drawing/2014/main" id="{11F13757-631D-CE32-C14A-038BD3A1AEBA}"/>
-              </a:ext>
-            </a:extLst>
-          </p:cNvPr>
-          <p:cNvPicPr>
-            <a:picLocks noChangeAspect="1"/>
-          </p:cNvPicPr>
-          <p:nvPr/>
-        </p:nvPicPr>
-        <p:blipFill>
-          <a:blip r:embed="rId2">
-            <a:extLst>
-              <a:ext uri="{28A0092B-C50C-407E-A947-70E740481C1C}">
-                <a14:useLocalDpi xmlns:a14="http://schemas.microsoft.com/office/drawing/2010/main" val="0"/>
-              </a:ext>
-            </a:extLst>
-          </a:blip>
-          <a:stretch>
-            <a:fillRect/>
-          </a:stretch>
-        </p:blipFill>
-        <p:spPr>
-          <a:xfrm>
-            <a:off x="838201" y="1070393"/>
-            <a:ext cx="5618584" cy="5582334"/>
-          </a:xfrm>
-          <a:prstGeom prst="rect">
-            <a:avLst/>
-          </a:prstGeom>
-        </p:spPr>
-      </p:pic>
     </p:spTree>
     <p:extLst>
       <p:ext uri="{BB962C8B-B14F-4D97-AF65-F5344CB8AC3E}">
@@ -11835,10 +11867,10 @@
       </p:grpSpPr>
       <p:pic>
         <p:nvPicPr>
-          <p:cNvPr id="5" name="Picture 4">
-            <a:extLst>
-              <a:ext uri="{FF2B5EF4-FFF2-40B4-BE49-F238E27FC236}">
-                <a16:creationId xmlns:a16="http://schemas.microsoft.com/office/drawing/2014/main" id="{6D88966C-2E95-472B-CF2B-938A62193AFC}"/>
+          <p:cNvPr id="9" name="Picture 8" descr="Graphical user interface, chart&#10;&#10;Description automatically generated">
+            <a:extLst>
+              <a:ext uri="{FF2B5EF4-FFF2-40B4-BE49-F238E27FC236}">
+                <a16:creationId xmlns:a16="http://schemas.microsoft.com/office/drawing/2014/main" id="{2BFC3730-7EA4-41C3-460C-27616DB0CBBD}"/>
               </a:ext>
             </a:extLst>
           </p:cNvPr>
@@ -11849,6 +11881,41 @@
         </p:nvPicPr>
         <p:blipFill rotWithShape="1">
           <a:blip r:embed="rId2">
+            <a:extLst>
+              <a:ext uri="{28A0092B-C50C-407E-A947-70E740481C1C}">
+                <a14:useLocalDpi xmlns:a14="http://schemas.microsoft.com/office/drawing/2010/main" val="0"/>
+              </a:ext>
+            </a:extLst>
+          </a:blip>
+          <a:srcRect t="3741" r="13459"/>
+          <a:stretch/>
+        </p:blipFill>
+        <p:spPr>
+          <a:xfrm>
+            <a:off x="838200" y="2545372"/>
+            <a:ext cx="5910028" cy="4105119"/>
+          </a:xfrm>
+          <a:prstGeom prst="rect">
+            <a:avLst/>
+          </a:prstGeom>
+        </p:spPr>
+      </p:pic>
+      <p:pic>
+        <p:nvPicPr>
+          <p:cNvPr id="5" name="Picture 4">
+            <a:extLst>
+              <a:ext uri="{FF2B5EF4-FFF2-40B4-BE49-F238E27FC236}">
+                <a16:creationId xmlns:a16="http://schemas.microsoft.com/office/drawing/2014/main" id="{6D88966C-2E95-472B-CF2B-938A62193AFC}"/>
+              </a:ext>
+            </a:extLst>
+          </p:cNvPr>
+          <p:cNvPicPr>
+            <a:picLocks noChangeAspect="1"/>
+          </p:cNvPicPr>
+          <p:nvPr/>
+        </p:nvPicPr>
+        <p:blipFill rotWithShape="1">
+          <a:blip r:embed="rId3">
             <a:clrChange>
               <a:clrFrom>
                 <a:srgbClr val="FFFFFF"/>
@@ -11951,7 +12018,7 @@
           <p:nvPr/>
         </p:nvPicPr>
         <p:blipFill>
-          <a:blip r:embed="rId3">
+          <a:blip r:embed="rId4">
             <a:extLst>
               <a:ext uri="{28A0092B-C50C-407E-A947-70E740481C1C}">
                 <a14:useLocalDpi xmlns:a14="http://schemas.microsoft.com/office/drawing/2010/main" val="0"/>
@@ -11966,51 +12033,6 @@
           <a:xfrm>
             <a:off x="838200" y="1088054"/>
             <a:ext cx="9518205" cy="1173582"/>
-          </a:xfrm>
-          <a:prstGeom prst="rect">
-            <a:avLst/>
-          </a:prstGeom>
-        </p:spPr>
-      </p:pic>
-      <p:pic>
-        <p:nvPicPr>
-          <p:cNvPr id="11" name="Picture 10">
-            <a:extLst>
-              <a:ext uri="{FF2B5EF4-FFF2-40B4-BE49-F238E27FC236}">
-                <a16:creationId xmlns:a16="http://schemas.microsoft.com/office/drawing/2014/main" id="{649C7713-FA16-E357-67D7-348EE592D320}"/>
-              </a:ext>
-            </a:extLst>
-          </p:cNvPr>
-          <p:cNvPicPr>
-            <a:picLocks noChangeAspect="1"/>
-          </p:cNvPicPr>
-          <p:nvPr/>
-        </p:nvPicPr>
-        <p:blipFill rotWithShape="1">
-          <a:blip r:embed="rId4">
-            <a:clrChange>
-              <a:clrFrom>
-                <a:srgbClr val="FFFFFF"/>
-              </a:clrFrom>
-              <a:clrTo>
-                <a:srgbClr val="FFFFFF">
-                  <a:alpha val="0"/>
-                </a:srgbClr>
-              </a:clrTo>
-            </a:clrChange>
-            <a:extLst>
-              <a:ext uri="{28A0092B-C50C-407E-A947-70E740481C1C}">
-                <a14:useLocalDpi xmlns:a14="http://schemas.microsoft.com/office/drawing/2010/main" val="0"/>
-              </a:ext>
-            </a:extLst>
-          </a:blip>
-          <a:srcRect r="8975"/>
-          <a:stretch/>
-        </p:blipFill>
-        <p:spPr>
-          <a:xfrm>
-            <a:off x="556085" y="2340063"/>
-            <a:ext cx="5910029" cy="4351397"/>
           </a:xfrm>
           <a:prstGeom prst="rect">
             <a:avLst/>
@@ -12049,10 +12071,10 @@
       </p:grpSpPr>
       <p:pic>
         <p:nvPicPr>
-          <p:cNvPr id="6" name="Picture 5">
-            <a:extLst>
-              <a:ext uri="{FF2B5EF4-FFF2-40B4-BE49-F238E27FC236}">
-                <a16:creationId xmlns:a16="http://schemas.microsoft.com/office/drawing/2014/main" id="{BB27CB2F-28A4-0A5C-279E-F535C733FFAD}"/>
+          <p:cNvPr id="9" name="Picture 8" descr="Chart, scatter chart&#10;&#10;Description automatically generated">
+            <a:extLst>
+              <a:ext uri="{FF2B5EF4-FFF2-40B4-BE49-F238E27FC236}">
+                <a16:creationId xmlns:a16="http://schemas.microsoft.com/office/drawing/2014/main" id="{CBEC6E29-B563-D435-E0A3-BE917B578D00}"/>
               </a:ext>
             </a:extLst>
           </p:cNvPr>
@@ -12063,16 +12085,6 @@
         </p:nvPicPr>
         <p:blipFill>
           <a:blip r:embed="rId2">
-            <a:clrChange>
-              <a:clrFrom>
-                <a:srgbClr val="FFFFFF"/>
-              </a:clrFrom>
-              <a:clrTo>
-                <a:srgbClr val="FFFFFF">
-                  <a:alpha val="0"/>
-                </a:srgbClr>
-              </a:clrTo>
-            </a:clrChange>
             <a:extLst>
               <a:ext uri="{28A0092B-C50C-407E-A947-70E740481C1C}">
                 <a14:useLocalDpi xmlns:a14="http://schemas.microsoft.com/office/drawing/2010/main" val="0"/>
@@ -12085,8 +12097,8 @@
         </p:blipFill>
         <p:spPr>
           <a:xfrm>
-            <a:off x="6841123" y="3202908"/>
-            <a:ext cx="5022015" cy="3497883"/>
+            <a:off x="816220" y="2633695"/>
+            <a:ext cx="6248399" cy="4037208"/>
           </a:xfrm>
           <a:prstGeom prst="rect">
             <a:avLst/>
@@ -12095,10 +12107,10 @@
       </p:pic>
       <p:pic>
         <p:nvPicPr>
-          <p:cNvPr id="10" name="Picture 9">
-            <a:extLst>
-              <a:ext uri="{FF2B5EF4-FFF2-40B4-BE49-F238E27FC236}">
-                <a16:creationId xmlns:a16="http://schemas.microsoft.com/office/drawing/2014/main" id="{8BFA699A-9D89-6DE5-7989-92477102A00B}"/>
+          <p:cNvPr id="6" name="Picture 5">
+            <a:extLst>
+              <a:ext uri="{FF2B5EF4-FFF2-40B4-BE49-F238E27FC236}">
+                <a16:creationId xmlns:a16="http://schemas.microsoft.com/office/drawing/2014/main" id="{BB27CB2F-28A4-0A5C-279E-F535C733FFAD}"/>
               </a:ext>
             </a:extLst>
           </p:cNvPr>
@@ -12131,8 +12143,8 @@
         </p:blipFill>
         <p:spPr>
           <a:xfrm>
-            <a:off x="544392" y="3225771"/>
-            <a:ext cx="4976291" cy="3475021"/>
+            <a:off x="6841123" y="3202908"/>
+            <a:ext cx="5022015" cy="3497883"/>
           </a:xfrm>
           <a:prstGeom prst="rect">
             <a:avLst/>
@@ -12837,6 +12849,15 @@
 </file>
 
 <file path=customXml/item1.xml><?xml version="1.0" encoding="utf-8"?>
+<?mso-contentType ?>
+<FormTemplates xmlns="http://schemas.microsoft.com/sharepoint/v3/contenttype/forms">
+  <Display>DocumentLibraryForm</Display>
+  <Edit>DocumentLibraryForm</Edit>
+  <New>DocumentLibraryForm</New>
+</FormTemplates>
+</file>
+
+<file path=customXml/item2.xml><?xml version="1.0" encoding="utf-8"?>
 <ct:contentTypeSchema xmlns:ct="http://schemas.microsoft.com/office/2006/metadata/contentType" xmlns:ma="http://schemas.microsoft.com/office/2006/metadata/properties/metaAttributes" ct:_="" ma:_="" ma:contentTypeName="Document" ma:contentTypeID="0x010100243BF64BC0C0BF44B4C14F29ACF2ADFE" ma:contentTypeVersion="13" ma:contentTypeDescription="Create a new document." ma:contentTypeScope="" ma:versionID="d2eb8cac4b9bdcdf940edbad4be5ffb9">
   <xsd:schema xmlns:xsd="http://www.w3.org/2001/XMLSchema" xmlns:xs="http://www.w3.org/2001/XMLSchema" xmlns:p="http://schemas.microsoft.com/office/2006/metadata/properties" xmlns:ns3="617caac6-e32b-43f4-b15f-9e19ce02f2c4" xmlns:ns4="ed9eba1e-de0f-47f1-af31-795f0b67a61e" targetNamespace="http://schemas.microsoft.com/office/2006/metadata/properties" ma:root="true" ma:fieldsID="f209d1f0dddf54f43dda48f447945c47" ns3:_="" ns4:_="">
     <xsd:import namespace="617caac6-e32b-43f4-b15f-9e19ce02f2c4"/>
@@ -13059,15 +13080,6 @@
 </ct:contentTypeSchema>
 </file>
 
-<file path=customXml/item2.xml><?xml version="1.0" encoding="utf-8"?>
-<?mso-contentType ?>
-<FormTemplates xmlns="http://schemas.microsoft.com/sharepoint/v3/contenttype/forms">
-  <Display>DocumentLibraryForm</Display>
-  <Edit>DocumentLibraryForm</Edit>
-  <New>DocumentLibraryForm</New>
-</FormTemplates>
-</file>
-
 <file path=customXml/item3.xml><?xml version="1.0" encoding="utf-8"?>
 <p:properties xmlns:p="http://schemas.microsoft.com/office/2006/metadata/properties" xmlns:xsi="http://www.w3.org/2001/XMLSchema-instance" xmlns:pc="http://schemas.microsoft.com/office/infopath/2007/PartnerControls">
   <documentManagement/>
@@ -13075,6 +13087,14 @@
 </file>
 
 <file path=customXml/itemProps1.xml><?xml version="1.0" encoding="utf-8"?>
+<ds:datastoreItem xmlns:ds="http://schemas.openxmlformats.org/officeDocument/2006/customXml" ds:itemID="{B257E757-C7A0-48C9-A01A-9A8F3C9BFA95}">
+  <ds:schemaRefs>
+    <ds:schemaRef ds:uri="http://schemas.microsoft.com/sharepoint/v3/contenttype/forms"/>
+  </ds:schemaRefs>
+</ds:datastoreItem>
+</file>
+
+<file path=customXml/itemProps2.xml><?xml version="1.0" encoding="utf-8"?>
 <ds:datastoreItem xmlns:ds="http://schemas.openxmlformats.org/officeDocument/2006/customXml" ds:itemID="{6B7558EF-A25E-4404-BE20-95EB7F0D4D5C}">
   <ds:schemaRefs>
     <ds:schemaRef ds:uri="http://schemas.microsoft.com/office/2006/metadata/contentType"/>
@@ -13093,14 +13113,6 @@
 </ds:datastoreItem>
 </file>
 
-<file path=customXml/itemProps2.xml><?xml version="1.0" encoding="utf-8"?>
-<ds:datastoreItem xmlns:ds="http://schemas.openxmlformats.org/officeDocument/2006/customXml" ds:itemID="{B257E757-C7A0-48C9-A01A-9A8F3C9BFA95}">
-  <ds:schemaRefs>
-    <ds:schemaRef ds:uri="http://schemas.microsoft.com/sharepoint/v3/contenttype/forms"/>
-  </ds:schemaRefs>
-</ds:datastoreItem>
-</file>
-
 <file path=customXml/itemProps3.xml><?xml version="1.0" encoding="utf-8"?>
 <ds:datastoreItem xmlns:ds="http://schemas.openxmlformats.org/officeDocument/2006/customXml" ds:itemID="{C8BC563B-386C-426F-9B78-8203DC9D25ED}">
   <ds:schemaRefs>

--- a/presentations/Day_1_breakout.pptx
+++ b/presentations/Day_1_breakout.pptx
@@ -8264,10 +8264,10 @@
       </p:grpSpPr>
       <p:pic>
         <p:nvPicPr>
-          <p:cNvPr id="5" name="Picture 4" descr="Graphical user interface, text, application&#10;&#10;Description automatically generated">
-            <a:extLst>
-              <a:ext uri="{FF2B5EF4-FFF2-40B4-BE49-F238E27FC236}">
-                <a16:creationId xmlns:a16="http://schemas.microsoft.com/office/drawing/2014/main" id="{56852908-C3DA-AC76-D3FD-1737FA0F1BE9}"/>
+          <p:cNvPr id="6" name="Picture 5" descr="Graphical user interface, text, application&#10;&#10;Description automatically generated">
+            <a:extLst>
+              <a:ext uri="{FF2B5EF4-FFF2-40B4-BE49-F238E27FC236}">
+                <a16:creationId xmlns:a16="http://schemas.microsoft.com/office/drawing/2014/main" id="{72DAECC4-EC5F-FDC9-E0CF-AF1E287DEDD2}"/>
               </a:ext>
             </a:extLst>
           </p:cNvPr>
@@ -8290,8 +8290,8 @@
         </p:blipFill>
         <p:spPr>
           <a:xfrm>
-            <a:off x="480150" y="1573215"/>
-            <a:ext cx="11344027" cy="3967827"/>
+            <a:off x="361526" y="1633939"/>
+            <a:ext cx="11468947" cy="3966704"/>
           </a:xfrm>
           <a:prstGeom prst="rect">
             <a:avLst/>
@@ -11337,10 +11337,10 @@
       </p:grpSpPr>
       <p:pic>
         <p:nvPicPr>
-          <p:cNvPr id="5" name="Picture 4">
-            <a:extLst>
-              <a:ext uri="{FF2B5EF4-FFF2-40B4-BE49-F238E27FC236}">
-                <a16:creationId xmlns:a16="http://schemas.microsoft.com/office/drawing/2014/main" id="{995300C0-D3D6-D75C-7C38-8156F8E2AE86}"/>
+          <p:cNvPr id="7" name="Picture 6" descr="Graphical user interface, text, application&#10;&#10;Description automatically generated">
+            <a:extLst>
+              <a:ext uri="{FF2B5EF4-FFF2-40B4-BE49-F238E27FC236}">
+                <a16:creationId xmlns:a16="http://schemas.microsoft.com/office/drawing/2014/main" id="{B5AE5156-A6C7-52BD-F1C8-6028CCA1310D}"/>
               </a:ext>
             </a:extLst>
           </p:cNvPr>
@@ -11363,8 +11363,8 @@
         </p:blipFill>
         <p:spPr>
           <a:xfrm>
-            <a:off x="278459" y="1716458"/>
-            <a:ext cx="11663800" cy="3425084"/>
+            <a:off x="284436" y="1716458"/>
+            <a:ext cx="11623128" cy="3425084"/>
           </a:xfrm>
           <a:prstGeom prst="rect">
             <a:avLst/>
@@ -11436,42 +11436,6 @@
           </a:p>
         </p:txBody>
       </p:sp>
-      <p:pic>
-        <p:nvPicPr>
-          <p:cNvPr id="6" name="Picture 5" descr="Graphical user interface, text, application&#10;&#10;Description automatically generated">
-            <a:extLst>
-              <a:ext uri="{FF2B5EF4-FFF2-40B4-BE49-F238E27FC236}">
-                <a16:creationId xmlns:a16="http://schemas.microsoft.com/office/drawing/2014/main" id="{CC2D3DDF-6A07-B78C-45A3-B151CBD1AA68}"/>
-              </a:ext>
-            </a:extLst>
-          </p:cNvPr>
-          <p:cNvPicPr>
-            <a:picLocks noChangeAspect="1"/>
-          </p:cNvPicPr>
-          <p:nvPr/>
-        </p:nvPicPr>
-        <p:blipFill>
-          <a:blip r:embed="rId3">
-            <a:extLst>
-              <a:ext uri="{28A0092B-C50C-407E-A947-70E740481C1C}">
-                <a14:useLocalDpi xmlns:a14="http://schemas.microsoft.com/office/drawing/2010/main" val="0"/>
-              </a:ext>
-            </a:extLst>
-          </a:blip>
-          <a:stretch>
-            <a:fillRect/>
-          </a:stretch>
-        </p:blipFill>
-        <p:spPr>
-          <a:xfrm>
-            <a:off x="328089" y="2457962"/>
-            <a:ext cx="11695356" cy="2725494"/>
-          </a:xfrm>
-          <a:prstGeom prst="rect">
-            <a:avLst/>
-          </a:prstGeom>
-        </p:spPr>
-      </p:pic>
     </p:spTree>
     <p:extLst>
       <p:ext uri="{BB962C8B-B14F-4D97-AF65-F5344CB8AC3E}">
@@ -11504,10 +11468,10 @@
       </p:grpSpPr>
       <p:pic>
         <p:nvPicPr>
-          <p:cNvPr id="9" name="Picture 8" descr="Text&#10;&#10;Description automatically generated">
-            <a:extLst>
-              <a:ext uri="{FF2B5EF4-FFF2-40B4-BE49-F238E27FC236}">
-                <a16:creationId xmlns:a16="http://schemas.microsoft.com/office/drawing/2014/main" id="{A86D9840-3C31-B627-F712-43283BFA9060}"/>
+          <p:cNvPr id="6" name="Picture 5" descr="Graphical user interface, text&#10;&#10;Description automatically generated">
+            <a:extLst>
+              <a:ext uri="{FF2B5EF4-FFF2-40B4-BE49-F238E27FC236}">
+                <a16:creationId xmlns:a16="http://schemas.microsoft.com/office/drawing/2014/main" id="{BB92A0B9-208C-9D86-951D-09C021F9673D}"/>
               </a:ext>
             </a:extLst>
           </p:cNvPr>
@@ -11518,6 +11482,42 @@
         </p:nvPicPr>
         <p:blipFill>
           <a:blip r:embed="rId2">
+            <a:extLst>
+              <a:ext uri="{28A0092B-C50C-407E-A947-70E740481C1C}">
+                <a14:useLocalDpi xmlns:a14="http://schemas.microsoft.com/office/drawing/2010/main" val="0"/>
+              </a:ext>
+            </a:extLst>
+          </a:blip>
+          <a:stretch>
+            <a:fillRect/>
+          </a:stretch>
+        </p:blipFill>
+        <p:spPr>
+          <a:xfrm>
+            <a:off x="920395" y="1092737"/>
+            <a:ext cx="6889077" cy="967824"/>
+          </a:xfrm>
+          <a:prstGeom prst="rect">
+            <a:avLst/>
+          </a:prstGeom>
+        </p:spPr>
+      </p:pic>
+      <p:pic>
+        <p:nvPicPr>
+          <p:cNvPr id="9" name="Picture 8" descr="Text&#10;&#10;Description automatically generated">
+            <a:extLst>
+              <a:ext uri="{FF2B5EF4-FFF2-40B4-BE49-F238E27FC236}">
+                <a16:creationId xmlns:a16="http://schemas.microsoft.com/office/drawing/2014/main" id="{A86D9840-3C31-B627-F712-43283BFA9060}"/>
+              </a:ext>
+            </a:extLst>
+          </p:cNvPr>
+          <p:cNvPicPr>
+            <a:picLocks noChangeAspect="1"/>
+          </p:cNvPicPr>
+          <p:nvPr/>
+        </p:nvPicPr>
+        <p:blipFill>
+          <a:blip r:embed="rId3">
             <a:extLst>
               <a:ext uri="{28A0092B-C50C-407E-A947-70E740481C1C}">
                 <a14:useLocalDpi xmlns:a14="http://schemas.microsoft.com/office/drawing/2010/main" val="0"/>
@@ -11532,42 +11532,6 @@
           <a:xfrm>
             <a:off x="1004371" y="3428403"/>
             <a:ext cx="5506333" cy="1414273"/>
-          </a:xfrm>
-          <a:prstGeom prst="rect">
-            <a:avLst/>
-          </a:prstGeom>
-        </p:spPr>
-      </p:pic>
-      <p:pic>
-        <p:nvPicPr>
-          <p:cNvPr id="3" name="Picture 2" descr="Graphical user interface, text, application, Word&#10;&#10;Description automatically generated">
-            <a:extLst>
-              <a:ext uri="{FF2B5EF4-FFF2-40B4-BE49-F238E27FC236}">
-                <a16:creationId xmlns:a16="http://schemas.microsoft.com/office/drawing/2014/main" id="{D0999234-569A-192E-0ACA-726449AC7137}"/>
-              </a:ext>
-            </a:extLst>
-          </p:cNvPr>
-          <p:cNvPicPr>
-            <a:picLocks noChangeAspect="1"/>
-          </p:cNvPicPr>
-          <p:nvPr/>
-        </p:nvPicPr>
-        <p:blipFill>
-          <a:blip r:embed="rId3">
-            <a:extLst>
-              <a:ext uri="{28A0092B-C50C-407E-A947-70E740481C1C}">
-                <a14:useLocalDpi xmlns:a14="http://schemas.microsoft.com/office/drawing/2010/main" val="0"/>
-              </a:ext>
-            </a:extLst>
-          </a:blip>
-          <a:stretch>
-            <a:fillRect/>
-          </a:stretch>
-        </p:blipFill>
-        <p:spPr>
-          <a:xfrm>
-            <a:off x="920395" y="1071824"/>
-            <a:ext cx="6774767" cy="967824"/>
           </a:xfrm>
           <a:prstGeom prst="rect">
             <a:avLst/>
@@ -12849,15 +12813,6 @@
 </file>
 
 <file path=customXml/item1.xml><?xml version="1.0" encoding="utf-8"?>
-<?mso-contentType ?>
-<FormTemplates xmlns="http://schemas.microsoft.com/sharepoint/v3/contenttype/forms">
-  <Display>DocumentLibraryForm</Display>
-  <Edit>DocumentLibraryForm</Edit>
-  <New>DocumentLibraryForm</New>
-</FormTemplates>
-</file>
-
-<file path=customXml/item2.xml><?xml version="1.0" encoding="utf-8"?>
 <ct:contentTypeSchema xmlns:ct="http://schemas.microsoft.com/office/2006/metadata/contentType" xmlns:ma="http://schemas.microsoft.com/office/2006/metadata/properties/metaAttributes" ct:_="" ma:_="" ma:contentTypeName="Document" ma:contentTypeID="0x010100243BF64BC0C0BF44B4C14F29ACF2ADFE" ma:contentTypeVersion="13" ma:contentTypeDescription="Create a new document." ma:contentTypeScope="" ma:versionID="d2eb8cac4b9bdcdf940edbad4be5ffb9">
   <xsd:schema xmlns:xsd="http://www.w3.org/2001/XMLSchema" xmlns:xs="http://www.w3.org/2001/XMLSchema" xmlns:p="http://schemas.microsoft.com/office/2006/metadata/properties" xmlns:ns3="617caac6-e32b-43f4-b15f-9e19ce02f2c4" xmlns:ns4="ed9eba1e-de0f-47f1-af31-795f0b67a61e" targetNamespace="http://schemas.microsoft.com/office/2006/metadata/properties" ma:root="true" ma:fieldsID="f209d1f0dddf54f43dda48f447945c47" ns3:_="" ns4:_="">
     <xsd:import namespace="617caac6-e32b-43f4-b15f-9e19ce02f2c4"/>
@@ -13080,6 +13035,15 @@
 </ct:contentTypeSchema>
 </file>
 
+<file path=customXml/item2.xml><?xml version="1.0" encoding="utf-8"?>
+<?mso-contentType ?>
+<FormTemplates xmlns="http://schemas.microsoft.com/sharepoint/v3/contenttype/forms">
+  <Display>DocumentLibraryForm</Display>
+  <Edit>DocumentLibraryForm</Edit>
+  <New>DocumentLibraryForm</New>
+</FormTemplates>
+</file>
+
 <file path=customXml/item3.xml><?xml version="1.0" encoding="utf-8"?>
 <p:properties xmlns:p="http://schemas.microsoft.com/office/2006/metadata/properties" xmlns:xsi="http://www.w3.org/2001/XMLSchema-instance" xmlns:pc="http://schemas.microsoft.com/office/infopath/2007/PartnerControls">
   <documentManagement/>
@@ -13087,14 +13051,6 @@
 </file>
 
 <file path=customXml/itemProps1.xml><?xml version="1.0" encoding="utf-8"?>
-<ds:datastoreItem xmlns:ds="http://schemas.openxmlformats.org/officeDocument/2006/customXml" ds:itemID="{B257E757-C7A0-48C9-A01A-9A8F3C9BFA95}">
-  <ds:schemaRefs>
-    <ds:schemaRef ds:uri="http://schemas.microsoft.com/sharepoint/v3/contenttype/forms"/>
-  </ds:schemaRefs>
-</ds:datastoreItem>
-</file>
-
-<file path=customXml/itemProps2.xml><?xml version="1.0" encoding="utf-8"?>
 <ds:datastoreItem xmlns:ds="http://schemas.openxmlformats.org/officeDocument/2006/customXml" ds:itemID="{6B7558EF-A25E-4404-BE20-95EB7F0D4D5C}">
   <ds:schemaRefs>
     <ds:schemaRef ds:uri="http://schemas.microsoft.com/office/2006/metadata/contentType"/>
@@ -13113,6 +13069,14 @@
 </ds:datastoreItem>
 </file>
 
+<file path=customXml/itemProps2.xml><?xml version="1.0" encoding="utf-8"?>
+<ds:datastoreItem xmlns:ds="http://schemas.openxmlformats.org/officeDocument/2006/customXml" ds:itemID="{B257E757-C7A0-48C9-A01A-9A8F3C9BFA95}">
+  <ds:schemaRefs>
+    <ds:schemaRef ds:uri="http://schemas.microsoft.com/sharepoint/v3/contenttype/forms"/>
+  </ds:schemaRefs>
+</ds:datastoreItem>
+</file>
+
 <file path=customXml/itemProps3.xml><?xml version="1.0" encoding="utf-8"?>
 <ds:datastoreItem xmlns:ds="http://schemas.openxmlformats.org/officeDocument/2006/customXml" ds:itemID="{C8BC563B-386C-426F-9B78-8203DC9D25ED}">
   <ds:schemaRefs>

--- a/presentations/Day_1_breakout.pptx
+++ b/presentations/Day_1_breakout.pptx
@@ -758,7 +758,7 @@
           <a:p>
             <a:fld id="{F585A81E-ECAF-4B3E-AC0F-CB7A879AA666}" type="datetimeFigureOut">
               <a:rPr lang="en-ZA" smtClean="0"/>
-              <a:t>23 Sep 2022</a:t>
+              <a:t>26 Sep 2022</a:t>
             </a:fld>
             <a:endParaRPr lang="en-ZA"/>
           </a:p>
@@ -3200,7 +3200,7 @@
           <a:p>
             <a:fld id="{09ADC8E3-895B-454A-9C56-2FF3B039BB74}" type="datetime1">
               <a:rPr lang="en-ZA" smtClean="0"/>
-              <a:t>23 Sep 2022</a:t>
+              <a:t>26 Sep 2022</a:t>
             </a:fld>
             <a:endParaRPr lang="en-ZA"/>
           </a:p>
@@ -3413,7 +3413,7 @@
           <a:p>
             <a:fld id="{10CD16D5-6539-41C0-813A-128398F0D37C}" type="datetime1">
               <a:rPr lang="en-ZA" smtClean="0"/>
-              <a:t>23 Sep 2022</a:t>
+              <a:t>26 Sep 2022</a:t>
             </a:fld>
             <a:endParaRPr lang="en-ZA"/>
           </a:p>
@@ -3963,7 +3963,7 @@
           <a:p>
             <a:fld id="{4BBE145F-6DA5-4120-B796-5C506C8025A0}" type="datetime1">
               <a:rPr lang="en-ZA" smtClean="0"/>
-              <a:t>23 Sep 2022</a:t>
+              <a:t>26 Sep 2022</a:t>
             </a:fld>
             <a:endParaRPr lang="en-ZA"/>
           </a:p>
@@ -4234,7 +4234,7 @@
           <a:p>
             <a:fld id="{888FF69C-9A9F-477C-BC0E-51ED537629AC}" type="datetime1">
               <a:rPr lang="en-ZA" smtClean="0"/>
-              <a:t>23 Sep 2022</a:t>
+              <a:t>26 Sep 2022</a:t>
             </a:fld>
             <a:endParaRPr lang="en-ZA"/>
           </a:p>
@@ -4652,7 +4652,7 @@
           <a:p>
             <a:fld id="{DD8B0AB2-5740-438B-A64E-5A04BE3898DE}" type="datetime1">
               <a:rPr lang="en-ZA" smtClean="0"/>
-              <a:t>23 Sep 2022</a:t>
+              <a:t>26 Sep 2022</a:t>
             </a:fld>
             <a:endParaRPr lang="en-ZA"/>
           </a:p>
@@ -4797,7 +4797,7 @@
           <a:p>
             <a:fld id="{75CF88A4-9873-44D7-964E-DF50FC65B01E}" type="datetime1">
               <a:rPr lang="en-ZA" smtClean="0"/>
-              <a:t>23 Sep 2022</a:t>
+              <a:t>26 Sep 2022</a:t>
             </a:fld>
             <a:endParaRPr lang="en-ZA"/>
           </a:p>
@@ -4913,7 +4913,7 @@
           <a:p>
             <a:fld id="{73CE0B1D-A7D5-4FAE-816D-7C2632CD26CE}" type="datetime1">
               <a:rPr lang="en-ZA" smtClean="0"/>
-              <a:t>23 Sep 2022</a:t>
+              <a:t>26 Sep 2022</a:t>
             </a:fld>
             <a:endParaRPr lang="en-ZA"/>
           </a:p>
@@ -5229,7 +5229,7 @@
           <a:p>
             <a:fld id="{38A10632-EAED-4BC2-B574-CFEDCC3FDAD8}" type="datetime1">
               <a:rPr lang="en-ZA" smtClean="0"/>
-              <a:t>23 Sep 2022</a:t>
+              <a:t>26 Sep 2022</a:t>
             </a:fld>
             <a:endParaRPr lang="en-ZA"/>
           </a:p>
@@ -5521,7 +5521,7 @@
           <a:p>
             <a:fld id="{AF9BCEAB-B66D-483F-99E0-A055B17AFE4A}" type="datetime1">
               <a:rPr lang="en-ZA" smtClean="0"/>
-              <a:t>23 Sep 2022</a:t>
+              <a:t>26 Sep 2022</a:t>
             </a:fld>
             <a:endParaRPr lang="en-ZA"/>
           </a:p>
@@ -5767,7 +5767,7 @@
           <a:p>
             <a:fld id="{65647D41-11E0-4D7C-9813-21FF8CDDA849}" type="datetime1">
               <a:rPr lang="en-ZA" smtClean="0"/>
-              <a:t>23 Sep 2022</a:t>
+              <a:t>26 Sep 2022</a:t>
             </a:fld>
             <a:endParaRPr lang="en-ZA"/>
           </a:p>
@@ -8633,10 +8633,10 @@
       </p:sp>
       <p:graphicFrame>
         <p:nvGraphicFramePr>
-          <p:cNvPr id="10" name="Table 9">
-            <a:extLst>
-              <a:ext uri="{FF2B5EF4-FFF2-40B4-BE49-F238E27FC236}">
-                <a16:creationId xmlns:a16="http://schemas.microsoft.com/office/drawing/2014/main" id="{AA7B3482-BBEF-5DC3-F6FC-B152F88263E3}"/>
+          <p:cNvPr id="8" name="Table 7">
+            <a:extLst>
+              <a:ext uri="{FF2B5EF4-FFF2-40B4-BE49-F238E27FC236}">
+                <a16:creationId xmlns:a16="http://schemas.microsoft.com/office/drawing/2014/main" id="{41A4B82D-4682-6194-A1B8-F6D4F7E554B9}"/>
               </a:ext>
             </a:extLst>
           </p:cNvPr>
@@ -8646,57 +8646,57 @@
           <p:nvPr>
             <p:extLst>
               <p:ext uri="{D42A27DB-BD31-4B8C-83A1-F6EECF244321}">
-                <p14:modId xmlns:p14="http://schemas.microsoft.com/office/powerpoint/2010/main" val="191688953"/>
+                <p14:modId xmlns:p14="http://schemas.microsoft.com/office/powerpoint/2010/main" val="3982044827"/>
               </p:ext>
             </p:extLst>
           </p:nvPr>
         </p:nvGraphicFramePr>
         <p:xfrm>
-          <a:off x="1987846" y="1558247"/>
-          <a:ext cx="7496622" cy="4754228"/>
+          <a:off x="1992099" y="1382486"/>
+          <a:ext cx="8207802" cy="4514361"/>
         </p:xfrm>
         <a:graphic>
           <a:graphicData uri="http://schemas.openxmlformats.org/drawingml/2006/table">
             <a:tbl>
               <a:tblPr/>
               <a:tblGrid>
-                <a:gridCol w="1466216">
+                <a:gridCol w="1605312">
                   <a:extLst>
                     <a:ext uri="{9D8B030D-6E8A-4147-A177-3AD203B41FA5}">
-                      <a16:colId xmlns:a16="http://schemas.microsoft.com/office/drawing/2014/main" val="2438678736"/>
+                      <a16:colId xmlns:a16="http://schemas.microsoft.com/office/drawing/2014/main" val="465347535"/>
                     </a:ext>
                   </a:extLst>
                 </a:gridCol>
-                <a:gridCol w="1466216">
+                <a:gridCol w="1605312">
                   <a:extLst>
                     <a:ext uri="{9D8B030D-6E8A-4147-A177-3AD203B41FA5}">
-                      <a16:colId xmlns:a16="http://schemas.microsoft.com/office/drawing/2014/main" val="1288302625"/>
+                      <a16:colId xmlns:a16="http://schemas.microsoft.com/office/drawing/2014/main" val="911622354"/>
                     </a:ext>
                   </a:extLst>
                 </a:gridCol>
-                <a:gridCol w="1466216">
+                <a:gridCol w="1605312">
                   <a:extLst>
                     <a:ext uri="{9D8B030D-6E8A-4147-A177-3AD203B41FA5}">
-                      <a16:colId xmlns:a16="http://schemas.microsoft.com/office/drawing/2014/main" val="1037318660"/>
+                      <a16:colId xmlns:a16="http://schemas.microsoft.com/office/drawing/2014/main" val="1335554541"/>
                     </a:ext>
                   </a:extLst>
                 </a:gridCol>
-                <a:gridCol w="1466216">
+                <a:gridCol w="1605312">
                   <a:extLst>
                     <a:ext uri="{9D8B030D-6E8A-4147-A177-3AD203B41FA5}">
-                      <a16:colId xmlns:a16="http://schemas.microsoft.com/office/drawing/2014/main" val="3724376504"/>
+                      <a16:colId xmlns:a16="http://schemas.microsoft.com/office/drawing/2014/main" val="3696283988"/>
                     </a:ext>
                   </a:extLst>
                 </a:gridCol>
-                <a:gridCol w="1631758">
+                <a:gridCol w="1786554">
                   <a:extLst>
                     <a:ext uri="{9D8B030D-6E8A-4147-A177-3AD203B41FA5}">
-                      <a16:colId xmlns:a16="http://schemas.microsoft.com/office/drawing/2014/main" val="981157183"/>
+                      <a16:colId xmlns:a16="http://schemas.microsoft.com/office/drawing/2014/main" val="3895742031"/>
                     </a:ext>
                   </a:extLst>
                 </a:gridCol>
               </a:tblGrid>
-              <a:tr h="349883">
+              <a:tr h="341893">
                 <a:tc>
                   <a:txBody>
                     <a:bodyPr/>
@@ -8711,7 +8711,7 @@
                         </a:spcAft>
                       </a:pPr>
                       <a:r>
-                        <a:rPr lang="en-ZA" sz="1400" b="0" i="0" u="none" strike="noStrike">
+                        <a:rPr lang="en-ZA" sz="1400" b="1" i="0" u="none" strike="noStrike">
                           <a:solidFill>
                             <a:srgbClr val="000000"/>
                           </a:solidFill>
@@ -8720,12 +8720,12 @@
                         </a:rPr>
                         <a:t>Group 1</a:t>
                       </a:r>
-                      <a:endParaRPr lang="en-ZA" sz="2400">
+                      <a:endParaRPr lang="en-ZA" sz="2800">
                         <a:effectLst/>
                       </a:endParaRPr>
                     </a:p>
                   </a:txBody>
-                  <a:tcPr marL="63500" marR="63500" marT="63500" marB="63500">
+                  <a:tcPr marL="60570" marR="60570" marT="60570" marB="60570">
                     <a:lnL w="12700" cap="flat" cmpd="sng" algn="ctr">
                       <a:solidFill>
                         <a:srgbClr val="000000"/>
@@ -8762,6 +8762,9 @@
                       <a:headEnd type="none" w="med" len="med"/>
                       <a:tailEnd type="none" w="med" len="med"/>
                     </a:lnB>
+                    <a:solidFill>
+                      <a:srgbClr val="9CC2E5"/>
+                    </a:solidFill>
                   </a:tcPr>
                 </a:tc>
                 <a:tc>
@@ -8778,7 +8781,7 @@
                         </a:spcAft>
                       </a:pPr>
                       <a:r>
-                        <a:rPr lang="en-ZA" sz="1400" b="0" i="0" u="none" strike="noStrike">
+                        <a:rPr lang="en-ZA" sz="1400" b="1" i="0" u="none" strike="noStrike">
                           <a:solidFill>
                             <a:srgbClr val="000000"/>
                           </a:solidFill>
@@ -8787,12 +8790,12 @@
                         </a:rPr>
                         <a:t>Group 2</a:t>
                       </a:r>
-                      <a:endParaRPr lang="en-ZA" sz="2400">
+                      <a:endParaRPr lang="en-ZA" sz="2800">
                         <a:effectLst/>
                       </a:endParaRPr>
                     </a:p>
                   </a:txBody>
-                  <a:tcPr marL="63500" marR="63500" marT="63500" marB="63500">
+                  <a:tcPr marL="60570" marR="60570" marT="60570" marB="60570">
                     <a:lnL w="12700" cap="flat" cmpd="sng" algn="ctr">
                       <a:solidFill>
                         <a:srgbClr val="000000"/>
@@ -8829,6 +8832,9 @@
                       <a:headEnd type="none" w="med" len="med"/>
                       <a:tailEnd type="none" w="med" len="med"/>
                     </a:lnB>
+                    <a:solidFill>
+                      <a:srgbClr val="9CC2E5"/>
+                    </a:solidFill>
                   </a:tcPr>
                 </a:tc>
                 <a:tc>
@@ -8845,7 +8851,7 @@
                         </a:spcAft>
                       </a:pPr>
                       <a:r>
-                        <a:rPr lang="en-ZA" sz="1400" b="0" i="0" u="none" strike="noStrike">
+                        <a:rPr lang="en-ZA" sz="1400" b="1" i="0" u="none" strike="noStrike">
                           <a:solidFill>
                             <a:srgbClr val="000000"/>
                           </a:solidFill>
@@ -8854,12 +8860,12 @@
                         </a:rPr>
                         <a:t>Group 3</a:t>
                       </a:r>
-                      <a:endParaRPr lang="en-ZA" sz="2400">
+                      <a:endParaRPr lang="en-ZA" sz="2800">
                         <a:effectLst/>
                       </a:endParaRPr>
                     </a:p>
                   </a:txBody>
-                  <a:tcPr marL="63500" marR="63500" marT="63500" marB="63500">
+                  <a:tcPr marL="60570" marR="60570" marT="60570" marB="60570">
                     <a:lnL w="12700" cap="flat" cmpd="sng" algn="ctr">
                       <a:solidFill>
                         <a:srgbClr val="000000"/>
@@ -8896,6 +8902,9 @@
                       <a:headEnd type="none" w="med" len="med"/>
                       <a:tailEnd type="none" w="med" len="med"/>
                     </a:lnB>
+                    <a:solidFill>
+                      <a:srgbClr val="9CC2E5"/>
+                    </a:solidFill>
                   </a:tcPr>
                 </a:tc>
                 <a:tc>
@@ -8912,7 +8921,7 @@
                         </a:spcAft>
                       </a:pPr>
                       <a:r>
-                        <a:rPr lang="en-ZA" sz="1400" b="0" i="0" u="none" strike="noStrike">
+                        <a:rPr lang="en-ZA" sz="1400" b="1" i="0" u="none" strike="noStrike" dirty="0">
                           <a:solidFill>
                             <a:srgbClr val="000000"/>
                           </a:solidFill>
@@ -8921,12 +8930,12 @@
                         </a:rPr>
                         <a:t>Group 4</a:t>
                       </a:r>
-                      <a:endParaRPr lang="en-ZA" sz="2400">
+                      <a:endParaRPr lang="en-ZA" sz="2800" dirty="0">
                         <a:effectLst/>
                       </a:endParaRPr>
                     </a:p>
                   </a:txBody>
-                  <a:tcPr marL="63500" marR="63500" marT="63500" marB="63500">
+                  <a:tcPr marL="60570" marR="60570" marT="60570" marB="60570">
                     <a:lnL w="12700" cap="flat" cmpd="sng" algn="ctr">
                       <a:solidFill>
                         <a:srgbClr val="000000"/>
@@ -8963,6 +8972,9 @@
                       <a:headEnd type="none" w="med" len="med"/>
                       <a:tailEnd type="none" w="med" len="med"/>
                     </a:lnB>
+                    <a:solidFill>
+                      <a:srgbClr val="9CC2E5"/>
+                    </a:solidFill>
                   </a:tcPr>
                 </a:tc>
                 <a:tc>
@@ -8979,7 +8991,7 @@
                         </a:spcAft>
                       </a:pPr>
                       <a:r>
-                        <a:rPr lang="en-ZA" sz="1400" b="0" i="0" u="none" strike="noStrike">
+                        <a:rPr lang="en-ZA" sz="1400" b="1" i="0" u="none" strike="noStrike" dirty="0">
                           <a:solidFill>
                             <a:srgbClr val="000000"/>
                           </a:solidFill>
@@ -8988,12 +9000,12 @@
                         </a:rPr>
                         <a:t>Group 5</a:t>
                       </a:r>
-                      <a:endParaRPr lang="en-ZA" sz="2400">
+                      <a:endParaRPr lang="en-ZA" sz="2800" dirty="0">
                         <a:effectLst/>
                       </a:endParaRPr>
                     </a:p>
                   </a:txBody>
-                  <a:tcPr marL="63500" marR="63500" marT="63500" marB="63500">
+                  <a:tcPr marL="60570" marR="60570" marT="60570" marB="60570">
                     <a:lnL w="12700" cap="flat" cmpd="sng" algn="ctr">
                       <a:solidFill>
                         <a:srgbClr val="000000"/>
@@ -9030,15 +9042,18 @@
                       <a:headEnd type="none" w="med" len="med"/>
                       <a:tailEnd type="none" w="med" len="med"/>
                     </a:lnB>
+                    <a:solidFill>
+                      <a:srgbClr val="9CC2E5"/>
+                    </a:solidFill>
                   </a:tcPr>
                 </a:tc>
                 <a:extLst>
                   <a:ext uri="{0D108BD9-81ED-4DB2-BD59-A6C34878D82A}">
-                    <a16:rowId xmlns:a16="http://schemas.microsoft.com/office/drawing/2014/main" val="1203480703"/>
+                    <a16:rowId xmlns:a16="http://schemas.microsoft.com/office/drawing/2014/main" val="834083345"/>
                   </a:ext>
                 </a:extLst>
               </a:tr>
-              <a:tr h="548955">
+              <a:tr h="392424">
                 <a:tc>
                   <a:txBody>
                     <a:bodyPr/>
@@ -9062,12 +9077,12 @@
                         </a:rPr>
                         <a:t>Dirkie Myburgh</a:t>
                       </a:r>
-                      <a:endParaRPr lang="en-ZA" sz="2400">
+                      <a:endParaRPr lang="en-ZA" sz="2800">
                         <a:effectLst/>
                       </a:endParaRPr>
                     </a:p>
                   </a:txBody>
-                  <a:tcPr marL="63500" marR="63500" marT="63500" marB="63500">
+                  <a:tcPr marL="60570" marR="60570" marT="60570" marB="60570">
                     <a:lnL w="12700" cap="flat" cmpd="sng" algn="ctr">
                       <a:solidFill>
                         <a:srgbClr val="000000"/>
@@ -9129,12 +9144,12 @@
                         </a:rPr>
                         <a:t>Jessica Thibaud</a:t>
                       </a:r>
-                      <a:endParaRPr lang="en-ZA" sz="2400">
+                      <a:endParaRPr lang="en-ZA" sz="2800">
                         <a:effectLst/>
                       </a:endParaRPr>
                     </a:p>
                   </a:txBody>
-                  <a:tcPr marL="63500" marR="63500" marT="63500" marB="63500">
+                  <a:tcPr marL="60570" marR="60570" marT="60570" marB="60570">
                     <a:lnL w="12700" cap="flat" cmpd="sng" algn="ctr">
                       <a:solidFill>
                         <a:srgbClr val="000000"/>
@@ -9194,14 +9209,14 @@
                           <a:effectLst/>
                           <a:latin typeface="Arial" panose="020B0604020202020204" pitchFamily="34" charset="0"/>
                         </a:rPr>
-                        <a:t>Mohamed Maiga</a:t>
+                        <a:t>CJ Borstlap</a:t>
                       </a:r>
-                      <a:endParaRPr lang="en-ZA" sz="2400">
+                      <a:endParaRPr lang="en-ZA" sz="2800">
                         <a:effectLst/>
                       </a:endParaRPr>
                     </a:p>
                   </a:txBody>
-                  <a:tcPr marL="63500" marR="63500" marT="63500" marB="63500">
+                  <a:tcPr marL="60570" marR="60570" marT="60570" marB="60570">
                     <a:lnL w="12700" cap="flat" cmpd="sng" algn="ctr">
                       <a:solidFill>
                         <a:srgbClr val="000000"/>
@@ -9263,12 +9278,12 @@
                         </a:rPr>
                         <a:t>Godfrey Mayoka</a:t>
                       </a:r>
-                      <a:endParaRPr lang="en-ZA" sz="2400">
+                      <a:endParaRPr lang="en-ZA" sz="2800">
                         <a:effectLst/>
                       </a:endParaRPr>
                     </a:p>
                   </a:txBody>
-                  <a:tcPr marL="63500" marR="63500" marT="63500" marB="63500">
+                  <a:tcPr marL="60570" marR="60570" marT="60570" marB="60570">
                     <a:lnL w="12700" cap="flat" cmpd="sng" algn="ctr">
                       <a:solidFill>
                         <a:srgbClr val="000000"/>
@@ -9330,12 +9345,12 @@
                         </a:rPr>
                         <a:t>Donald Seanego</a:t>
                       </a:r>
-                      <a:endParaRPr lang="en-ZA" sz="2400">
+                      <a:endParaRPr lang="en-ZA" sz="2800">
                         <a:effectLst/>
                       </a:endParaRPr>
                     </a:p>
                   </a:txBody>
-                  <a:tcPr marL="63500" marR="63500" marT="63500" marB="63500">
+                  <a:tcPr marL="60570" marR="60570" marT="60570" marB="60570">
                     <a:lnL w="12700" cap="flat" cmpd="sng" algn="ctr">
                       <a:solidFill>
                         <a:srgbClr val="000000"/>
@@ -9376,11 +9391,11 @@
                 </a:tc>
                 <a:extLst>
                   <a:ext uri="{0D108BD9-81ED-4DB2-BD59-A6C34878D82A}">
-                    <a16:rowId xmlns:a16="http://schemas.microsoft.com/office/drawing/2014/main" val="1639217642"/>
+                    <a16:rowId xmlns:a16="http://schemas.microsoft.com/office/drawing/2014/main" val="2492941216"/>
                   </a:ext>
                 </a:extLst>
               </a:tr>
-              <a:tr h="748026">
+              <a:tr h="677038">
                 <a:tc>
                   <a:txBody>
                     <a:bodyPr/>
@@ -9395,31 +9410,21 @@
                         </a:spcAft>
                       </a:pPr>
                       <a:r>
-                        <a:rPr lang="en-ZA" sz="1400" b="0" i="0" u="none" strike="noStrike" dirty="0">
+                        <a:rPr lang="en-ZA" sz="1400" b="0" i="0" u="none" strike="noStrike">
                           <a:solidFill>
                             <a:srgbClr val="000000"/>
                           </a:solidFill>
                           <a:effectLst/>
                           <a:latin typeface="Arial" panose="020B0604020202020204" pitchFamily="34" charset="0"/>
                         </a:rPr>
-                        <a:t>Jonathan </a:t>
+                        <a:t>Jonathan Bvunzawabaya</a:t>
                       </a:r>
-                      <a:r>
-                        <a:rPr lang="en-ZA" sz="1400" b="0" i="0" u="none" strike="noStrike" dirty="0" err="1">
-                          <a:solidFill>
-                            <a:srgbClr val="000000"/>
-                          </a:solidFill>
-                          <a:effectLst/>
-                          <a:latin typeface="Arial" panose="020B0604020202020204" pitchFamily="34" charset="0"/>
-                        </a:rPr>
-                        <a:t>Bvunzawabaya</a:t>
-                      </a:r>
-                      <a:endParaRPr lang="en-ZA" sz="2400" dirty="0">
+                      <a:endParaRPr lang="en-ZA" sz="2800">
                         <a:effectLst/>
                       </a:endParaRPr>
                     </a:p>
                   </a:txBody>
-                  <a:tcPr marL="63500" marR="63500" marT="63500" marB="63500">
+                  <a:tcPr marL="60570" marR="60570" marT="60570" marB="60570">
                     <a:lnL w="12700" cap="flat" cmpd="sng" algn="ctr">
                       <a:solidFill>
                         <a:srgbClr val="000000"/>
@@ -9481,12 +9486,12 @@
                         </a:rPr>
                         <a:t>Mariscal Brice Tchatat Tali </a:t>
                       </a:r>
-                      <a:endParaRPr lang="en-ZA" sz="2400">
+                      <a:endParaRPr lang="en-ZA" sz="2800">
                         <a:effectLst/>
                       </a:endParaRPr>
                     </a:p>
                   </a:txBody>
-                  <a:tcPr marL="63500" marR="63500" marT="63500" marB="63500">
+                  <a:tcPr marL="60570" marR="60570" marT="60570" marB="60570">
                     <a:lnL w="12700" cap="flat" cmpd="sng" algn="ctr">
                       <a:solidFill>
                         <a:srgbClr val="000000"/>
@@ -9546,14 +9551,14 @@
                           <a:effectLst/>
                           <a:latin typeface="Arial" panose="020B0604020202020204" pitchFamily="34" charset="0"/>
                         </a:rPr>
-                        <a:t>CJ Borstlap</a:t>
+                        <a:t>Chris Jurisch</a:t>
                       </a:r>
-                      <a:endParaRPr lang="en-ZA" sz="2400">
+                      <a:endParaRPr lang="en-ZA" sz="2800">
                         <a:effectLst/>
                       </a:endParaRPr>
                     </a:p>
                   </a:txBody>
-                  <a:tcPr marL="63500" marR="63500" marT="63500" marB="63500">
+                  <a:tcPr marL="60570" marR="60570" marT="60570" marB="60570">
                     <a:lnL w="12700" cap="flat" cmpd="sng" algn="ctr">
                       <a:solidFill>
                         <a:srgbClr val="000000"/>
@@ -9615,12 +9620,12 @@
                         </a:rPr>
                         <a:t>Carene Ndong Sima</a:t>
                       </a:r>
-                      <a:endParaRPr lang="en-ZA" sz="2400">
+                      <a:endParaRPr lang="en-ZA" sz="2800">
                         <a:effectLst/>
                       </a:endParaRPr>
                     </a:p>
                   </a:txBody>
-                  <a:tcPr marL="63500" marR="63500" marT="63500" marB="63500">
+                  <a:tcPr marL="60570" marR="60570" marT="60570" marB="60570">
                     <a:lnL w="12700" cap="flat" cmpd="sng" algn="ctr">
                       <a:solidFill>
                         <a:srgbClr val="000000"/>
@@ -9682,12 +9687,12 @@
                         </a:rPr>
                         <a:t>Dickson Mambwe</a:t>
                       </a:r>
-                      <a:endParaRPr lang="en-ZA" sz="2400" dirty="0">
+                      <a:endParaRPr lang="en-ZA" sz="2800" dirty="0">
                         <a:effectLst/>
                       </a:endParaRPr>
                     </a:p>
                   </a:txBody>
-                  <a:tcPr marL="63500" marR="63500" marT="63500" marB="63500">
+                  <a:tcPr marL="60570" marR="60570" marT="60570" marB="60570">
                     <a:lnL w="12700" cap="flat" cmpd="sng" algn="ctr">
                       <a:solidFill>
                         <a:srgbClr val="000000"/>
@@ -9728,11 +9733,11 @@
                 </a:tc>
                 <a:extLst>
                   <a:ext uri="{0D108BD9-81ED-4DB2-BD59-A6C34878D82A}">
-                    <a16:rowId xmlns:a16="http://schemas.microsoft.com/office/drawing/2014/main" val="2583776318"/>
+                    <a16:rowId xmlns:a16="http://schemas.microsoft.com/office/drawing/2014/main" val="2298987770"/>
                   </a:ext>
                 </a:extLst>
               </a:tr>
-              <a:tr h="748026">
+              <a:tr h="819346">
                 <a:tc>
                   <a:txBody>
                     <a:bodyPr/>
@@ -9756,12 +9761,12 @@
                         </a:rPr>
                         <a:t>Frank Zindo </a:t>
                       </a:r>
-                      <a:endParaRPr lang="en-ZA" sz="2400">
+                      <a:endParaRPr lang="en-ZA" sz="2800">
                         <a:effectLst/>
                       </a:endParaRPr>
                     </a:p>
                   </a:txBody>
-                  <a:tcPr marL="63500" marR="63500" marT="63500" marB="63500">
+                  <a:tcPr marL="60570" marR="60570" marT="60570" marB="60570">
                     <a:lnL w="12700" cap="flat" cmpd="sng" algn="ctr">
                       <a:solidFill>
                         <a:srgbClr val="000000"/>
@@ -9823,12 +9828,12 @@
                         </a:rPr>
                         <a:t>Sumit Kumar</a:t>
                       </a:r>
-                      <a:endParaRPr lang="en-ZA" sz="2400">
+                      <a:endParaRPr lang="en-ZA" sz="2800">
                         <a:effectLst/>
                       </a:endParaRPr>
                     </a:p>
                   </a:txBody>
-                  <a:tcPr marL="63500" marR="63500" marT="63500" marB="63500">
+                  <a:tcPr marL="60570" marR="60570" marT="60570" marB="60570">
                     <a:lnL w="12700" cap="flat" cmpd="sng" algn="ctr">
                       <a:solidFill>
                         <a:srgbClr val="000000"/>
@@ -9881,21 +9886,41 @@
                         </a:spcAft>
                       </a:pPr>
                       <a:r>
-                        <a:rPr lang="en-ZA" sz="1400" b="0" i="0" u="none" strike="noStrike">
+                        <a:rPr lang="en-ZA" sz="1400" b="0" i="0" u="none" strike="noStrike" dirty="0" err="1">
                           <a:solidFill>
                             <a:srgbClr val="000000"/>
                           </a:solidFill>
                           <a:effectLst/>
                           <a:latin typeface="Arial" panose="020B0604020202020204" pitchFamily="34" charset="0"/>
                         </a:rPr>
-                        <a:t>Chris Jurisch</a:t>
+                        <a:t>Chinenyenwa</a:t>
                       </a:r>
-                      <a:endParaRPr lang="en-ZA" sz="2400">
+                      <a:r>
+                        <a:rPr lang="en-ZA" sz="1400" b="0" i="0" u="none" strike="noStrike" dirty="0">
+                          <a:solidFill>
+                            <a:srgbClr val="000000"/>
+                          </a:solidFill>
+                          <a:effectLst/>
+                          <a:latin typeface="Arial" panose="020B0604020202020204" pitchFamily="34" charset="0"/>
+                        </a:rPr>
+                        <a:t> Fortune </a:t>
+                      </a:r>
+                      <a:r>
+                        <a:rPr lang="en-ZA" sz="1400" b="0" i="0" u="none" strike="noStrike" dirty="0" err="1">
+                          <a:solidFill>
+                            <a:srgbClr val="000000"/>
+                          </a:solidFill>
+                          <a:effectLst/>
+                          <a:latin typeface="Arial" panose="020B0604020202020204" pitchFamily="34" charset="0"/>
+                        </a:rPr>
+                        <a:t>Chukwuneme</a:t>
+                      </a:r>
+                      <a:endParaRPr lang="en-ZA" sz="2800" dirty="0">
                         <a:effectLst/>
                       </a:endParaRPr>
                     </a:p>
                   </a:txBody>
-                  <a:tcPr marL="63500" marR="63500" marT="63500" marB="63500">
+                  <a:tcPr marL="60570" marR="60570" marT="60570" marB="60570">
                     <a:lnL w="12700" cap="flat" cmpd="sng" algn="ctr">
                       <a:solidFill>
                         <a:srgbClr val="000000"/>
@@ -9957,12 +9982,12 @@
                         </a:rPr>
                         <a:t>Ngonidzashe Ruwizhi</a:t>
                       </a:r>
-                      <a:endParaRPr lang="en-ZA" sz="2400">
+                      <a:endParaRPr lang="en-ZA" sz="2800">
                         <a:effectLst/>
                       </a:endParaRPr>
                     </a:p>
                   </a:txBody>
-                  <a:tcPr marL="63500" marR="63500" marT="63500" marB="63500">
+                  <a:tcPr marL="60570" marR="60570" marT="60570" marB="60570">
                     <a:lnL w="12700" cap="flat" cmpd="sng" algn="ctr">
                       <a:solidFill>
                         <a:srgbClr val="000000"/>
@@ -10015,41 +10040,21 @@
                         </a:spcAft>
                       </a:pPr>
                       <a:r>
-                        <a:rPr lang="en-ZA" sz="1400" b="0" i="0" u="none" strike="noStrike" dirty="0" err="1">
+                        <a:rPr lang="en-ZA" sz="1400" b="0" i="0" u="none" strike="noStrike">
                           <a:solidFill>
                             <a:srgbClr val="000000"/>
                           </a:solidFill>
                           <a:effectLst/>
                           <a:latin typeface="Arial" panose="020B0604020202020204" pitchFamily="34" charset="0"/>
                         </a:rPr>
-                        <a:t>Ngceboyakwethu</a:t>
+                        <a:t>Ngceboyakwethu Primrose Zinyama</a:t>
                       </a:r>
-                      <a:r>
-                        <a:rPr lang="en-ZA" sz="1400" b="0" i="0" u="none" strike="noStrike" dirty="0">
-                          <a:solidFill>
-                            <a:srgbClr val="000000"/>
-                          </a:solidFill>
-                          <a:effectLst/>
-                          <a:latin typeface="Arial" panose="020B0604020202020204" pitchFamily="34" charset="0"/>
-                        </a:rPr>
-                        <a:t> Primrose </a:t>
-                      </a:r>
-                      <a:r>
-                        <a:rPr lang="en-ZA" sz="1400" b="0" i="0" u="none" strike="noStrike" dirty="0" err="1">
-                          <a:solidFill>
-                            <a:srgbClr val="000000"/>
-                          </a:solidFill>
-                          <a:effectLst/>
-                          <a:latin typeface="Arial" panose="020B0604020202020204" pitchFamily="34" charset="0"/>
-                        </a:rPr>
-                        <a:t>Zinyama</a:t>
-                      </a:r>
-                      <a:endParaRPr lang="en-ZA" sz="2400" dirty="0">
+                      <a:endParaRPr lang="en-ZA" sz="2800">
                         <a:effectLst/>
                       </a:endParaRPr>
                     </a:p>
                   </a:txBody>
-                  <a:tcPr marL="63500" marR="63500" marT="63500" marB="63500">
+                  <a:tcPr marL="60570" marR="60570" marT="60570" marB="60570">
                     <a:lnL w="12700" cap="flat" cmpd="sng" algn="ctr">
                       <a:solidFill>
                         <a:srgbClr val="000000"/>
@@ -10090,11 +10095,11 @@
                 </a:tc>
                 <a:extLst>
                   <a:ext uri="{0D108BD9-81ED-4DB2-BD59-A6C34878D82A}">
-                    <a16:rowId xmlns:a16="http://schemas.microsoft.com/office/drawing/2014/main" val="363888902"/>
+                    <a16:rowId xmlns:a16="http://schemas.microsoft.com/office/drawing/2014/main" val="3091042079"/>
                   </a:ext>
                 </a:extLst>
               </a:tr>
-              <a:tr h="947098">
+              <a:tr h="753220">
                 <a:tc>
                   <a:txBody>
                     <a:bodyPr/>
@@ -10118,12 +10123,12 @@
                         </a:rPr>
                         <a:t>Sizwe Ndlovu</a:t>
                       </a:r>
-                      <a:endParaRPr lang="en-ZA" sz="2400">
+                      <a:endParaRPr lang="en-ZA" sz="2800">
                         <a:effectLst/>
                       </a:endParaRPr>
                     </a:p>
                   </a:txBody>
-                  <a:tcPr marL="63500" marR="63500" marT="63500" marB="63500">
+                  <a:tcPr marL="60570" marR="60570" marT="60570" marB="60570">
                     <a:lnL w="12700" cap="flat" cmpd="sng" algn="ctr">
                       <a:solidFill>
                         <a:srgbClr val="000000"/>
@@ -10185,12 +10190,12 @@
                         </a:rPr>
                         <a:t>Lutete Peguy Khonde</a:t>
                       </a:r>
-                      <a:endParaRPr lang="en-ZA" sz="2400">
+                      <a:endParaRPr lang="en-ZA" sz="2800">
                         <a:effectLst/>
                       </a:endParaRPr>
                     </a:p>
                   </a:txBody>
-                  <a:tcPr marL="63500" marR="63500" marT="63500" marB="63500">
+                  <a:tcPr marL="60570" marR="60570" marT="60570" marB="60570">
                     <a:lnL w="12700" cap="flat" cmpd="sng" algn="ctr">
                       <a:solidFill>
                         <a:srgbClr val="000000"/>
@@ -10250,14 +10255,14 @@
                           <a:effectLst/>
                           <a:latin typeface="Arial" panose="020B0604020202020204" pitchFamily="34" charset="0"/>
                         </a:rPr>
-                        <a:t>Chinenyenwa Fortune Chukwuneme</a:t>
+                        <a:t>Samuel Egieyeh</a:t>
                       </a:r>
-                      <a:endParaRPr lang="en-ZA" sz="2400">
+                      <a:endParaRPr lang="en-ZA" sz="2800">
                         <a:effectLst/>
                       </a:endParaRPr>
                     </a:p>
                   </a:txBody>
-                  <a:tcPr marL="63500" marR="63500" marT="63500" marB="63500">
+                  <a:tcPr marL="60570" marR="60570" marT="60570" marB="60570">
                     <a:lnL w="12700" cap="flat" cmpd="sng" algn="ctr">
                       <a:solidFill>
                         <a:srgbClr val="000000"/>
@@ -10310,7 +10315,7 @@
                         </a:spcAft>
                       </a:pPr>
                       <a:br>
-                        <a:rPr lang="en-ZA" sz="2400">
+                        <a:rPr lang="en-ZA" sz="2800">
                           <a:effectLst/>
                         </a:rPr>
                       </a:br>
@@ -10324,12 +10329,12 @@
                         </a:rPr>
                         <a:t>Petrus Shanika</a:t>
                       </a:r>
-                      <a:endParaRPr lang="en-ZA" sz="2400">
+                      <a:endParaRPr lang="en-ZA" sz="2800">
                         <a:effectLst/>
                       </a:endParaRPr>
                     </a:p>
                   </a:txBody>
-                  <a:tcPr marL="63500" marR="63500" marT="63500" marB="63500">
+                  <a:tcPr marL="60570" marR="60570" marT="60570" marB="60570">
                     <a:lnL w="12700" cap="flat" cmpd="sng" algn="ctr">
                       <a:solidFill>
                         <a:srgbClr val="000000"/>
@@ -10391,12 +10396,12 @@
                         </a:rPr>
                         <a:t>Henry Onyame</a:t>
                       </a:r>
-                      <a:endParaRPr lang="en-ZA" sz="2400">
+                      <a:endParaRPr lang="en-ZA" sz="2800">
                         <a:effectLst/>
                       </a:endParaRPr>
                     </a:p>
                   </a:txBody>
-                  <a:tcPr marL="63500" marR="63500" marT="63500" marB="63500">
+                  <a:tcPr marL="60570" marR="60570" marT="60570" marB="60570">
                     <a:lnL w="12700" cap="flat" cmpd="sng" algn="ctr">
                       <a:solidFill>
                         <a:srgbClr val="000000"/>
@@ -10437,11 +10442,11 @@
                 </a:tc>
                 <a:extLst>
                   <a:ext uri="{0D108BD9-81ED-4DB2-BD59-A6C34878D82A}">
-                    <a16:rowId xmlns:a16="http://schemas.microsoft.com/office/drawing/2014/main" val="1916793863"/>
+                    <a16:rowId xmlns:a16="http://schemas.microsoft.com/office/drawing/2014/main" val="1965273591"/>
                   </a:ext>
                 </a:extLst>
               </a:tr>
-              <a:tr h="548955">
+              <a:tr h="547556">
                 <a:tc>
                   <a:txBody>
                     <a:bodyPr/>
@@ -10465,12 +10470,12 @@
                         </a:rPr>
                         <a:t>Ashleigh van Heerden</a:t>
                       </a:r>
-                      <a:endParaRPr lang="en-ZA" sz="2400">
+                      <a:endParaRPr lang="en-ZA" sz="2800">
                         <a:effectLst/>
                       </a:endParaRPr>
                     </a:p>
                   </a:txBody>
-                  <a:tcPr marL="63500" marR="63500" marT="63500" marB="63500">
+                  <a:tcPr marL="60570" marR="60570" marT="60570" marB="60570">
                     <a:lnL w="12700" cap="flat" cmpd="sng" algn="ctr">
                       <a:solidFill>
                         <a:srgbClr val="000000"/>
@@ -10532,12 +10537,12 @@
                         </a:rPr>
                         <a:t>Phanankosi Moyo</a:t>
                       </a:r>
-                      <a:endParaRPr lang="en-ZA" sz="2400">
+                      <a:endParaRPr lang="en-ZA" sz="2800">
                         <a:effectLst/>
                       </a:endParaRPr>
                     </a:p>
                   </a:txBody>
-                  <a:tcPr marL="63500" marR="63500" marT="63500" marB="63500">
+                  <a:tcPr marL="60570" marR="60570" marT="60570" marB="60570">
                     <a:lnL w="12700" cap="flat" cmpd="sng" algn="ctr">
                       <a:solidFill>
                         <a:srgbClr val="000000"/>
@@ -10597,14 +10602,14 @@
                           <a:effectLst/>
                           <a:latin typeface="Arial" panose="020B0604020202020204" pitchFamily="34" charset="0"/>
                         </a:rPr>
-                        <a:t>Samuel Egieyeh</a:t>
+                        <a:t>Rudy Cozett</a:t>
                       </a:r>
-                      <a:endParaRPr lang="en-ZA" sz="2400">
+                      <a:endParaRPr lang="en-ZA" sz="2800">
                         <a:effectLst/>
                       </a:endParaRPr>
                     </a:p>
                   </a:txBody>
-                  <a:tcPr marL="63500" marR="63500" marT="63500" marB="63500">
+                  <a:tcPr marL="60570" marR="60570" marT="60570" marB="60570">
                     <a:lnL w="12700" cap="flat" cmpd="sng" algn="ctr">
                       <a:solidFill>
                         <a:srgbClr val="000000"/>
@@ -10666,12 +10671,12 @@
                         </a:rPr>
                         <a:t>Sauvik Samanta</a:t>
                       </a:r>
-                      <a:endParaRPr lang="en-ZA" sz="2400">
+                      <a:endParaRPr lang="en-ZA" sz="2800">
                         <a:effectLst/>
                       </a:endParaRPr>
                     </a:p>
                   </a:txBody>
-                  <a:tcPr marL="63500" marR="63500" marT="63500" marB="63500">
+                  <a:tcPr marL="60570" marR="60570" marT="60570" marB="60570">
                     <a:lnL w="12700" cap="flat" cmpd="sng" algn="ctr">
                       <a:solidFill>
                         <a:srgbClr val="000000"/>
@@ -10724,21 +10729,21 @@
                         </a:spcAft>
                       </a:pPr>
                       <a:r>
-                        <a:rPr lang="en-ZA" sz="1400" b="0" i="0" u="none" strike="noStrike" dirty="0">
+                        <a:rPr lang="en-ZA" sz="1400" b="0" i="0" u="none" strike="noStrike">
                           <a:solidFill>
                             <a:srgbClr val="000000"/>
                           </a:solidFill>
                           <a:effectLst/>
                           <a:latin typeface="Arial" panose="020B0604020202020204" pitchFamily="34" charset="0"/>
                         </a:rPr>
-                        <a:t>Michelle</a:t>
+                        <a:t>Michelle Kok</a:t>
                       </a:r>
-                      <a:endParaRPr lang="en-ZA" sz="2400" dirty="0">
+                      <a:endParaRPr lang="en-ZA" sz="2800">
                         <a:effectLst/>
                       </a:endParaRPr>
                     </a:p>
                   </a:txBody>
-                  <a:tcPr marL="63500" marR="63500" marT="63500" marB="63500">
+                  <a:tcPr marL="60570" marR="60570" marT="60570" marB="60570">
                     <a:lnL w="12700" cap="flat" cmpd="sng" algn="ctr">
                       <a:solidFill>
                         <a:srgbClr val="000000"/>
@@ -10779,11 +10784,11 @@
                 </a:tc>
                 <a:extLst>
                   <a:ext uri="{0D108BD9-81ED-4DB2-BD59-A6C34878D82A}">
-                    <a16:rowId xmlns:a16="http://schemas.microsoft.com/office/drawing/2014/main" val="2777278473"/>
+                    <a16:rowId xmlns:a16="http://schemas.microsoft.com/office/drawing/2014/main" val="2145894963"/>
                   </a:ext>
                 </a:extLst>
               </a:tr>
-              <a:tr h="802319">
+              <a:tr h="958881">
                 <a:tc>
                   <a:txBody>
                     <a:bodyPr/>
@@ -10807,12 +10812,12 @@
                         </a:rPr>
                         <a:t>Natalia Shakela</a:t>
                       </a:r>
-                      <a:endParaRPr lang="en-ZA" sz="2400">
+                      <a:endParaRPr lang="en-ZA" sz="2800">
                         <a:effectLst/>
                       </a:endParaRPr>
                     </a:p>
                   </a:txBody>
-                  <a:tcPr marL="63500" marR="63500" marT="63500" marB="63500">
+                  <a:tcPr marL="60570" marR="60570" marT="60570" marB="60570">
                     <a:lnL w="12700" cap="flat" cmpd="sng" algn="ctr">
                       <a:solidFill>
                         <a:srgbClr val="000000"/>
@@ -10874,12 +10879,122 @@
                         </a:rPr>
                         <a:t>Moola Nyambe</a:t>
                       </a:r>
-                      <a:endParaRPr lang="en-ZA" sz="2400">
+                      <a:endParaRPr lang="en-ZA" sz="2800">
                         <a:effectLst/>
                       </a:endParaRPr>
                     </a:p>
                   </a:txBody>
-                  <a:tcPr marL="63500" marR="63500" marT="63500" marB="63500">
+                  <a:tcPr marL="60570" marR="60570" marT="60570" marB="60570">
+                    <a:lnL w="12700" cap="flat" cmpd="sng" algn="ctr">
+                      <a:solidFill>
+                        <a:srgbClr val="000000"/>
+                      </a:solidFill>
+                      <a:prstDash val="solid"/>
+                      <a:round/>
+                      <a:headEnd type="none" w="med" len="med"/>
+                      <a:tailEnd type="none" w="med" len="med"/>
+                    </a:lnL>
+                    <a:lnR w="12700" cap="flat" cmpd="sng" algn="ctr">
+                      <a:solidFill>
+                        <a:srgbClr val="000000"/>
+                      </a:solidFill>
+                      <a:prstDash val="solid"/>
+                      <a:round/>
+                      <a:headEnd type="none" w="med" len="med"/>
+                      <a:tailEnd type="none" w="med" len="med"/>
+                    </a:lnR>
+                    <a:lnT w="12700" cap="flat" cmpd="sng" algn="ctr">
+                      <a:solidFill>
+                        <a:srgbClr val="000000"/>
+                      </a:solidFill>
+                      <a:prstDash val="solid"/>
+                      <a:round/>
+                      <a:headEnd type="none" w="med" len="med"/>
+                      <a:tailEnd type="none" w="med" len="med"/>
+                    </a:lnT>
+                    <a:lnB w="12700" cap="flat" cmpd="sng" algn="ctr">
+                      <a:solidFill>
+                        <a:srgbClr val="000000"/>
+                      </a:solidFill>
+                      <a:prstDash val="solid"/>
+                      <a:round/>
+                      <a:headEnd type="none" w="med" len="med"/>
+                      <a:tailEnd type="none" w="med" len="med"/>
+                    </a:lnB>
+                  </a:tcPr>
+                </a:tc>
+                <a:tc>
+                  <a:txBody>
+                    <a:bodyPr/>
+                    <a:lstStyle/>
+                    <a:p>
+                      <a:pPr fontAlgn="t"/>
+                      <a:br>
+                        <a:rPr lang="en-ZA" sz="2800">
+                          <a:effectLst/>
+                        </a:rPr>
+                      </a:br>
+                      <a:endParaRPr lang="en-ZA" sz="2800">
+                        <a:effectLst/>
+                      </a:endParaRPr>
+                    </a:p>
+                  </a:txBody>
+                  <a:tcPr marL="60570" marR="60570" marT="60570" marB="60570">
+                    <a:lnL w="12700" cap="flat" cmpd="sng" algn="ctr">
+                      <a:solidFill>
+                        <a:srgbClr val="000000"/>
+                      </a:solidFill>
+                      <a:prstDash val="solid"/>
+                      <a:round/>
+                      <a:headEnd type="none" w="med" len="med"/>
+                      <a:tailEnd type="none" w="med" len="med"/>
+                    </a:lnL>
+                    <a:lnR w="12700" cap="flat" cmpd="sng" algn="ctr">
+                      <a:solidFill>
+                        <a:srgbClr val="000000"/>
+                      </a:solidFill>
+                      <a:prstDash val="solid"/>
+                      <a:round/>
+                      <a:headEnd type="none" w="med" len="med"/>
+                      <a:tailEnd type="none" w="med" len="med"/>
+                    </a:lnR>
+                    <a:lnT w="12700" cap="flat" cmpd="sng" algn="ctr">
+                      <a:solidFill>
+                        <a:srgbClr val="000000"/>
+                      </a:solidFill>
+                      <a:prstDash val="solid"/>
+                      <a:round/>
+                      <a:headEnd type="none" w="med" len="med"/>
+                      <a:tailEnd type="none" w="med" len="med"/>
+                    </a:lnT>
+                    <a:lnB w="12700" cap="flat" cmpd="sng" algn="ctr">
+                      <a:solidFill>
+                        <a:srgbClr val="000000"/>
+                      </a:solidFill>
+                      <a:prstDash val="solid"/>
+                      <a:round/>
+                      <a:headEnd type="none" w="med" len="med"/>
+                      <a:tailEnd type="none" w="med" len="med"/>
+                    </a:lnB>
+                  </a:tcPr>
+                </a:tc>
+                <a:tc>
+                  <a:txBody>
+                    <a:bodyPr/>
+                    <a:lstStyle/>
+                    <a:p>
+                      <a:pPr fontAlgn="t"/>
+                      <a:br>
+                        <a:rPr lang="en-ZA" sz="2800" dirty="0">
+                          <a:effectLst/>
+                        </a:rPr>
+                      </a:br>
+                      <a:endParaRPr lang="en-ZA" sz="2800" dirty="0">
+                        <a:effectLst/>
+                      </a:endParaRPr>
+                    </a:p>
+                  </a:txBody>
+                  <a:tcPr marL="60570" marR="60570" marT="60570" marB="60570">
                     <a:lnL w="12700" cap="flat" cmpd="sng" algn="ctr">
                       <a:solidFill>
                         <a:srgbClr val="000000"/>
@@ -10932,131 +11047,41 @@
                         </a:spcAft>
                       </a:pPr>
                       <a:r>
-                        <a:rPr lang="en-ZA" sz="1400" b="0" i="0" u="none" strike="noStrike">
+                        <a:rPr lang="en-ZA" sz="1400" b="0" i="0" u="none" strike="noStrike" dirty="0" err="1">
                           <a:solidFill>
                             <a:srgbClr val="000000"/>
                           </a:solidFill>
                           <a:effectLst/>
                           <a:latin typeface="Arial" panose="020B0604020202020204" pitchFamily="34" charset="0"/>
                         </a:rPr>
-                        <a:t>Rudy Cozett</a:t>
+                        <a:t>Ronewa</a:t>
                       </a:r>
-                      <a:endParaRPr lang="en-ZA" sz="2400">
+                      <a:r>
+                        <a:rPr lang="en-ZA" sz="1400" b="0" i="0" u="none" strike="noStrike" dirty="0">
+                          <a:solidFill>
+                            <a:srgbClr val="000000"/>
+                          </a:solidFill>
+                          <a:effectLst/>
+                          <a:latin typeface="Arial" panose="020B0604020202020204" pitchFamily="34" charset="0"/>
+                        </a:rPr>
+                        <a:t> </a:t>
+                      </a:r>
+                      <a:r>
+                        <a:rPr lang="en-ZA" sz="1400" b="0" i="0" u="none" strike="noStrike" dirty="0" err="1">
+                          <a:solidFill>
+                            <a:srgbClr val="000000"/>
+                          </a:solidFill>
+                          <a:effectLst/>
+                          <a:latin typeface="Arial" panose="020B0604020202020204" pitchFamily="34" charset="0"/>
+                        </a:rPr>
+                        <a:t>Tshinavhe</a:t>
+                      </a:r>
+                      <a:endParaRPr lang="en-ZA" sz="2800" dirty="0">
                         <a:effectLst/>
                       </a:endParaRPr>
                     </a:p>
                   </a:txBody>
-                  <a:tcPr marL="63500" marR="63500" marT="63500" marB="63500">
-                    <a:lnL w="12700" cap="flat" cmpd="sng" algn="ctr">
-                      <a:solidFill>
-                        <a:srgbClr val="000000"/>
-                      </a:solidFill>
-                      <a:prstDash val="solid"/>
-                      <a:round/>
-                      <a:headEnd type="none" w="med" len="med"/>
-                      <a:tailEnd type="none" w="med" len="med"/>
-                    </a:lnL>
-                    <a:lnR w="12700" cap="flat" cmpd="sng" algn="ctr">
-                      <a:solidFill>
-                        <a:srgbClr val="000000"/>
-                      </a:solidFill>
-                      <a:prstDash val="solid"/>
-                      <a:round/>
-                      <a:headEnd type="none" w="med" len="med"/>
-                      <a:tailEnd type="none" w="med" len="med"/>
-                    </a:lnR>
-                    <a:lnT w="12700" cap="flat" cmpd="sng" algn="ctr">
-                      <a:solidFill>
-                        <a:srgbClr val="000000"/>
-                      </a:solidFill>
-                      <a:prstDash val="solid"/>
-                      <a:round/>
-                      <a:headEnd type="none" w="med" len="med"/>
-                      <a:tailEnd type="none" w="med" len="med"/>
-                    </a:lnT>
-                    <a:lnB w="12700" cap="flat" cmpd="sng" algn="ctr">
-                      <a:solidFill>
-                        <a:srgbClr val="000000"/>
-                      </a:solidFill>
-                      <a:prstDash val="solid"/>
-                      <a:round/>
-                      <a:headEnd type="none" w="med" len="med"/>
-                      <a:tailEnd type="none" w="med" len="med"/>
-                    </a:lnB>
-                  </a:tcPr>
-                </a:tc>
-                <a:tc>
-                  <a:txBody>
-                    <a:bodyPr/>
-                    <a:lstStyle/>
-                    <a:p>
-                      <a:pPr fontAlgn="t"/>
-                      <a:br>
-                        <a:rPr lang="en-ZA" sz="2400">
-                          <a:effectLst/>
-                        </a:rPr>
-                      </a:br>
-                      <a:endParaRPr lang="en-ZA" sz="2400">
-                        <a:effectLst/>
-                      </a:endParaRPr>
-                    </a:p>
-                  </a:txBody>
-                  <a:tcPr marL="63500" marR="63500" marT="63500" marB="63500">
-                    <a:lnL w="12700" cap="flat" cmpd="sng" algn="ctr">
-                      <a:solidFill>
-                        <a:srgbClr val="000000"/>
-                      </a:solidFill>
-                      <a:prstDash val="solid"/>
-                      <a:round/>
-                      <a:headEnd type="none" w="med" len="med"/>
-                      <a:tailEnd type="none" w="med" len="med"/>
-                    </a:lnL>
-                    <a:lnR w="12700" cap="flat" cmpd="sng" algn="ctr">
-                      <a:solidFill>
-                        <a:srgbClr val="000000"/>
-                      </a:solidFill>
-                      <a:prstDash val="solid"/>
-                      <a:round/>
-                      <a:headEnd type="none" w="med" len="med"/>
-                      <a:tailEnd type="none" w="med" len="med"/>
-                    </a:lnR>
-                    <a:lnT w="12700" cap="flat" cmpd="sng" algn="ctr">
-                      <a:solidFill>
-                        <a:srgbClr val="000000"/>
-                      </a:solidFill>
-                      <a:prstDash val="solid"/>
-                      <a:round/>
-                      <a:headEnd type="none" w="med" len="med"/>
-                      <a:tailEnd type="none" w="med" len="med"/>
-                    </a:lnT>
-                    <a:lnB w="12700" cap="flat" cmpd="sng" algn="ctr">
-                      <a:solidFill>
-                        <a:srgbClr val="000000"/>
-                      </a:solidFill>
-                      <a:prstDash val="solid"/>
-                      <a:round/>
-                      <a:headEnd type="none" w="med" len="med"/>
-                      <a:tailEnd type="none" w="med" len="med"/>
-                    </a:lnB>
-                  </a:tcPr>
-                </a:tc>
-                <a:tc>
-                  <a:txBody>
-                    <a:bodyPr/>
-                    <a:lstStyle/>
-                    <a:p>
-                      <a:pPr fontAlgn="t"/>
-                      <a:br>
-                        <a:rPr lang="en-ZA" sz="2400" dirty="0">
-                          <a:effectLst/>
-                        </a:rPr>
-                      </a:br>
-                      <a:endParaRPr lang="en-ZA" sz="2400" dirty="0">
-                        <a:effectLst/>
-                      </a:endParaRPr>
-                    </a:p>
-                  </a:txBody>
-                  <a:tcPr marL="63500" marR="63500" marT="63500" marB="63500">
+                  <a:tcPr marL="60570" marR="60570" marT="60570" marB="60570">
                     <a:lnL w="12700" cap="flat" cmpd="sng" algn="ctr">
                       <a:solidFill>
                         <a:srgbClr val="000000"/>
@@ -11097,7 +11122,7 @@
                 </a:tc>
                 <a:extLst>
                   <a:ext uri="{0D108BD9-81ED-4DB2-BD59-A6C34878D82A}">
-                    <a16:rowId xmlns:a16="http://schemas.microsoft.com/office/drawing/2014/main" val="4038267373"/>
+                    <a16:rowId xmlns:a16="http://schemas.microsoft.com/office/drawing/2014/main" val="561807066"/>
                   </a:ext>
                 </a:extLst>
               </a:tr>
@@ -11107,10 +11132,10 @@
       </p:graphicFrame>
       <p:sp>
         <p:nvSpPr>
-          <p:cNvPr id="11" name="Rectangle 2">
-            <a:extLst>
-              <a:ext uri="{FF2B5EF4-FFF2-40B4-BE49-F238E27FC236}">
-                <a16:creationId xmlns:a16="http://schemas.microsoft.com/office/drawing/2014/main" id="{A44297FF-CB6C-57E9-029E-EFE59EB51806}"/>
+          <p:cNvPr id="9" name="Rectangle 3">
+            <a:extLst>
+              <a:ext uri="{FF2B5EF4-FFF2-40B4-BE49-F238E27FC236}">
+                <a16:creationId xmlns:a16="http://schemas.microsoft.com/office/drawing/2014/main" id="{B0FE8A99-2E4B-7A0D-5AEA-AD2467F7E048}"/>
               </a:ext>
             </a:extLst>
           </p:cNvPr>
@@ -11121,8 +11146,8 @@
         </p:nvSpPr>
         <p:spPr bwMode="auto">
           <a:xfrm>
-            <a:off x="1987212" y="1558723"/>
-            <a:ext cx="15186922" cy="542922"/>
+            <a:off x="8267950" y="769558"/>
+            <a:ext cx="26554502" cy="361814"/>
           </a:xfrm>
           <a:prstGeom prst="rect">
             <a:avLst/>
@@ -12813,6 +12838,15 @@
 </file>
 
 <file path=customXml/item1.xml><?xml version="1.0" encoding="utf-8"?>
+<?mso-contentType ?>
+<FormTemplates xmlns="http://schemas.microsoft.com/sharepoint/v3/contenttype/forms">
+  <Display>DocumentLibraryForm</Display>
+  <Edit>DocumentLibraryForm</Edit>
+  <New>DocumentLibraryForm</New>
+</FormTemplates>
+</file>
+
+<file path=customXml/item2.xml><?xml version="1.0" encoding="utf-8"?>
 <ct:contentTypeSchema xmlns:ct="http://schemas.microsoft.com/office/2006/metadata/contentType" xmlns:ma="http://schemas.microsoft.com/office/2006/metadata/properties/metaAttributes" ct:_="" ma:_="" ma:contentTypeName="Document" ma:contentTypeID="0x010100243BF64BC0C0BF44B4C14F29ACF2ADFE" ma:contentTypeVersion="13" ma:contentTypeDescription="Create a new document." ma:contentTypeScope="" ma:versionID="d2eb8cac4b9bdcdf940edbad4be5ffb9">
   <xsd:schema xmlns:xsd="http://www.w3.org/2001/XMLSchema" xmlns:xs="http://www.w3.org/2001/XMLSchema" xmlns:p="http://schemas.microsoft.com/office/2006/metadata/properties" xmlns:ns3="617caac6-e32b-43f4-b15f-9e19ce02f2c4" xmlns:ns4="ed9eba1e-de0f-47f1-af31-795f0b67a61e" targetNamespace="http://schemas.microsoft.com/office/2006/metadata/properties" ma:root="true" ma:fieldsID="f209d1f0dddf54f43dda48f447945c47" ns3:_="" ns4:_="">
     <xsd:import namespace="617caac6-e32b-43f4-b15f-9e19ce02f2c4"/>
@@ -13035,15 +13069,6 @@
 </ct:contentTypeSchema>
 </file>
 
-<file path=customXml/item2.xml><?xml version="1.0" encoding="utf-8"?>
-<?mso-contentType ?>
-<FormTemplates xmlns="http://schemas.microsoft.com/sharepoint/v3/contenttype/forms">
-  <Display>DocumentLibraryForm</Display>
-  <Edit>DocumentLibraryForm</Edit>
-  <New>DocumentLibraryForm</New>
-</FormTemplates>
-</file>
-
 <file path=customXml/item3.xml><?xml version="1.0" encoding="utf-8"?>
 <p:properties xmlns:p="http://schemas.microsoft.com/office/2006/metadata/properties" xmlns:xsi="http://www.w3.org/2001/XMLSchema-instance" xmlns:pc="http://schemas.microsoft.com/office/infopath/2007/PartnerControls">
   <documentManagement/>
@@ -13051,6 +13076,14 @@
 </file>
 
 <file path=customXml/itemProps1.xml><?xml version="1.0" encoding="utf-8"?>
+<ds:datastoreItem xmlns:ds="http://schemas.openxmlformats.org/officeDocument/2006/customXml" ds:itemID="{B257E757-C7A0-48C9-A01A-9A8F3C9BFA95}">
+  <ds:schemaRefs>
+    <ds:schemaRef ds:uri="http://schemas.microsoft.com/sharepoint/v3/contenttype/forms"/>
+  </ds:schemaRefs>
+</ds:datastoreItem>
+</file>
+
+<file path=customXml/itemProps2.xml><?xml version="1.0" encoding="utf-8"?>
 <ds:datastoreItem xmlns:ds="http://schemas.openxmlformats.org/officeDocument/2006/customXml" ds:itemID="{6B7558EF-A25E-4404-BE20-95EB7F0D4D5C}">
   <ds:schemaRefs>
     <ds:schemaRef ds:uri="http://schemas.microsoft.com/office/2006/metadata/contentType"/>
@@ -13069,14 +13102,6 @@
 </ds:datastoreItem>
 </file>
 
-<file path=customXml/itemProps2.xml><?xml version="1.0" encoding="utf-8"?>
-<ds:datastoreItem xmlns:ds="http://schemas.openxmlformats.org/officeDocument/2006/customXml" ds:itemID="{B257E757-C7A0-48C9-A01A-9A8F3C9BFA95}">
-  <ds:schemaRefs>
-    <ds:schemaRef ds:uri="http://schemas.microsoft.com/sharepoint/v3/contenttype/forms"/>
-  </ds:schemaRefs>
-</ds:datastoreItem>
-</file>
-
 <file path=customXml/itemProps3.xml><?xml version="1.0" encoding="utf-8"?>
 <ds:datastoreItem xmlns:ds="http://schemas.openxmlformats.org/officeDocument/2006/customXml" ds:itemID="{C8BC563B-386C-426F-9B78-8203DC9D25ED}">
   <ds:schemaRefs>
